--- a/media/generated_ppts/DR IAM_Agadir VERNE + NOMATIS (partiel).pptx
+++ b/media/generated_ppts/DR IAM_Agadir VERNE + NOMATIS (partiel).pptx
@@ -3091,6 +3091,49 @@
       <p:grpSpPr/>
       <p:sp>
         <p:nvSpPr>
+          <p:cNvPr id="4" name="Rectangle 3"/>
+          <p:cNvSpPr/>
+          <p:nvPr/>
+        </p:nvSpPr>
+        <p:spPr>
+          <a:xfrm>
+            <a:off x="792000" y="792000"/>
+            <a:ext cx="7632000" cy="5328000"/>
+          </a:xfrm>
+          <a:prstGeom prst="rect">
+            <a:avLst/>
+          </a:prstGeom>
+          <a:noFill/>
+          <a:ln w="38100">
+            <a:solidFill>
+              <a:srgbClr val="000000"/>
+            </a:solidFill>
+          </a:ln>
+        </p:spPr>
+        <p:style>
+          <a:lnRef idx="1">
+            <a:schemeClr val="accent1"/>
+          </a:lnRef>
+          <a:fillRef idx="3">
+            <a:schemeClr val="accent1"/>
+          </a:fillRef>
+          <a:effectRef idx="2">
+            <a:schemeClr val="accent1"/>
+          </a:effectRef>
+          <a:fontRef idx="minor">
+            <a:schemeClr val="lt1"/>
+          </a:fontRef>
+        </p:style>
+        <p:txBody>
+          <a:bodyPr rtlCol="0" anchor="ctr"/>
+          <a:lstStyle/>
+          <a:p>
+            <a:pPr algn="ctr"/>
+          </a:p>
+        </p:txBody>
+      </p:sp>
+      <p:sp>
+        <p:nvSpPr>
           <p:cNvPr id="2" name="Title 1"/>
           <p:cNvSpPr>
             <a:spLocks noGrp="1"/>
@@ -3105,7 +3148,10 @@
           <a:lstStyle/>
           <a:p>
             <a:pPr>
-              <a:defRPr sz="3200">
+              <a:defRPr sz="3200" b="1">
+                <a:solidFill>
+                  <a:srgbClr val="000000"/>
+                </a:solidFill>
                 <a:latin typeface="Arial Narrow"/>
               </a:defRPr>
             </a:pPr>
@@ -3132,6 +3178,9 @@
           <a:p>
             <a:pPr>
               <a:defRPr sz="1800">
+                <a:solidFill>
+                  <a:srgbClr val="404040"/>
+                </a:solidFill>
                 <a:latin typeface="Arial Narrow"/>
               </a:defRPr>
             </a:pPr>
@@ -3161,7 +3210,7 @@
       <p:grpSpPr/>
       <p:pic>
         <p:nvPicPr>
-          <p:cNvPr id="2" name="Picture 1" descr="AA.jpeg"/>
+          <p:cNvPr id="2" name="Picture 1" descr="AAA.jpeg"/>
           <p:cNvPicPr>
             <a:picLocks noChangeAspect="1"/>
           </p:cNvPicPr>
@@ -3176,7 +3225,7 @@
         <p:spPr>
           <a:xfrm>
             <a:off x="360000" y="180000"/>
-            <a:ext cx="9360000" cy="2520000"/>
+            <a:ext cx="8820000" cy="2520000"/>
           </a:xfrm>
           <a:prstGeom prst="rect">
             <a:avLst/>

--- a/media/generated_ppts/DR IAM_Agadir VERNE + NOMATIS (partiel).pptx
+++ b/media/generated_ppts/DR IAM_Agadir VERNE + NOMATIS (partiel).pptx
@@ -3242,7 +3242,7 @@
         </p:nvGraphicFramePr>
         <p:xfrm>
           <a:off x="360000" y="2700000"/>
-          <a:ext cx="8747999" cy="378000"/>
+          <a:ext cx="8351997" cy="378000"/>
         </p:xfrm>
         <a:graphic>
           <a:graphicData uri="http://schemas.openxmlformats.org/drawingml/2006/table">
@@ -3251,13 +3251,15 @@
                 <a:tableStyleId>{5C22544A-7EE6-4342-B048-85BDC9FD1C3A}</a:tableStyleId>
               </a:tblPr>
               <a:tblGrid>
-                <a:gridCol w="648000"/>
+                <a:gridCol w="612000"/>
                 <a:gridCol w="864000"/>
-                <a:gridCol w="1332000"/>
-                <a:gridCol w="936000"/>
+                <a:gridCol w="1116000"/>
+                <a:gridCol w="1116000"/>
+                <a:gridCol w="900000"/>
+                <a:gridCol w="900000"/>
+                <a:gridCol w="827999"/>
                 <a:gridCol w="1007999"/>
-                <a:gridCol w="2232000"/>
-                <a:gridCol w="1728000"/>
+                <a:gridCol w="1007999"/>
               </a:tblGrid>
               <a:tr h="36000">
                 <a:tc>
@@ -3280,7 +3282,7 @@
                   </a:txBody>
                   <a:tcPr>
                     <a:solidFill>
-                      <a:srgbClr val="4472C4"/>
+                      <a:srgbClr val="FF6800"/>
                     </a:solidFill>
                   </a:tcPr>
                 </a:tc>
@@ -3304,7 +3306,7 @@
                   </a:txBody>
                   <a:tcPr>
                     <a:solidFill>
-                      <a:srgbClr val="4472C4"/>
+                      <a:srgbClr val="FF6800"/>
                     </a:solidFill>
                   </a:tcPr>
                 </a:tc>
@@ -3328,7 +3330,7 @@
                   </a:txBody>
                   <a:tcPr>
                     <a:solidFill>
-                      <a:srgbClr val="4472C4"/>
+                      <a:srgbClr val="FF6800"/>
                     </a:solidFill>
                   </a:tcPr>
                 </a:tc>
@@ -3346,13 +3348,13 @@
                         </a:defRPr>
                       </a:pPr>
                       <a:r>
-                        <a:t>DR IAM</a:t>
-                      </a:r>
-                    </a:p>
-                  </a:txBody>
-                  <a:tcPr>
-                    <a:solidFill>
-                      <a:srgbClr val="4472C4"/>
+                        <a:t>Contact IAM</a:t>
+                      </a:r>
+                    </a:p>
+                  </a:txBody>
+                  <a:tcPr>
+                    <a:solidFill>
+                      <a:srgbClr val="FF6800"/>
                     </a:solidFill>
                   </a:tcPr>
                 </a:tc>
@@ -3370,13 +3372,13 @@
                         </a:defRPr>
                       </a:pPr>
                       <a:r>
-                        <a:t>ville</a:t>
-                      </a:r>
-                    </a:p>
-                  </a:txBody>
-                  <a:tcPr>
-                    <a:solidFill>
-                      <a:srgbClr val="4472C4"/>
+                        <a:t>DR IAM</a:t>
+                      </a:r>
+                    </a:p>
+                  </a:txBody>
+                  <a:tcPr>
+                    <a:solidFill>
+                      <a:srgbClr val="FF6800"/>
                     </a:solidFill>
                   </a:tcPr>
                 </a:tc>
@@ -3394,13 +3396,13 @@
                         </a:defRPr>
                       </a:pPr>
                       <a:r>
-                        <a:t>X Départ ERPT - Y Départ ERPT</a:t>
-                      </a:r>
-                    </a:p>
-                  </a:txBody>
-                  <a:tcPr>
-                    <a:solidFill>
-                      <a:srgbClr val="4472C4"/>
+                        <a:t>ville</a:t>
+                      </a:r>
+                    </a:p>
+                  </a:txBody>
+                  <a:tcPr>
+                    <a:solidFill>
+                      <a:srgbClr val="FF6800"/>
                     </a:solidFill>
                   </a:tcPr>
                 </a:tc>
@@ -3418,13 +3420,61 @@
                         </a:defRPr>
                       </a:pPr>
                       <a:r>
-                        <a:t>X Arrivée ERPT Proposition1 - Y Arrivée</a:t>
-                      </a:r>
-                    </a:p>
-                  </a:txBody>
-                  <a:tcPr>
-                    <a:solidFill>
-                      <a:srgbClr val="4472C4"/>
+                        <a:t>Date TSS</a:t>
+                      </a:r>
+                    </a:p>
+                  </a:txBody>
+                  <a:tcPr>
+                    <a:solidFill>
+                      <a:srgbClr val="FF6800"/>
+                    </a:solidFill>
+                  </a:tcPr>
+                </a:tc>
+                <a:tc>
+                  <a:txBody>
+                    <a:bodyPr tIns="18288" bIns="18288" lIns="45720" rIns="45720"/>
+                    <a:lstStyle/>
+                    <a:p>
+                      <a:pPr>
+                        <a:defRPr sz="700" b="1">
+                          <a:solidFill>
+                            <a:srgbClr val="FFFFFF"/>
+                          </a:solidFill>
+                          <a:latin typeface="Arial Narrow"/>
+                        </a:defRPr>
+                      </a:pPr>
+                      <a:r>
+                        <a:t>X Départ ERPT - Y Départ ERPT</a:t>
+                      </a:r>
+                    </a:p>
+                  </a:txBody>
+                  <a:tcPr>
+                    <a:solidFill>
+                      <a:srgbClr val="FF6800"/>
+                    </a:solidFill>
+                  </a:tcPr>
+                </a:tc>
+                <a:tc>
+                  <a:txBody>
+                    <a:bodyPr tIns="18288" bIns="18288" lIns="45720" rIns="45720"/>
+                    <a:lstStyle/>
+                    <a:p>
+                      <a:pPr>
+                        <a:defRPr sz="700" b="1">
+                          <a:solidFill>
+                            <a:srgbClr val="FFFFFF"/>
+                          </a:solidFill>
+                          <a:latin typeface="Arial Narrow"/>
+                        </a:defRPr>
+                      </a:pPr>
+                      <a:r>
+                        <a:t>X Arrivée ERPT - Y Arrivée ERPT</a:t>
+                      </a:r>
+                    </a:p>
+                  </a:txBody>
+                  <a:tcPr>
+                    <a:solidFill>
+                      <a:srgbClr val="FF6800"/>
                     </a:solidFill>
                   </a:tcPr>
                 </a:tc>
@@ -3445,7 +3495,11 @@
                       </a:r>
                     </a:p>
                   </a:txBody>
-                  <a:tcPr/>
+                  <a:tcPr>
+                    <a:solidFill>
+                      <a:srgbClr val="FFFFFF"/>
+                    </a:solidFill>
+                  </a:tcPr>
                 </a:tc>
                 <a:tc>
                   <a:txBody>
@@ -3462,7 +3516,11 @@
                       </a:r>
                     </a:p>
                   </a:txBody>
-                  <a:tcPr/>
+                  <a:tcPr>
+                    <a:solidFill>
+                      <a:srgbClr val="FFFFFF"/>
+                    </a:solidFill>
+                  </a:tcPr>
                 </a:tc>
                 <a:tc>
                   <a:txBody>
@@ -3479,7 +3537,29 @@
                       </a:r>
                     </a:p>
                   </a:txBody>
-                  <a:tcPr/>
+                  <a:tcPr>
+                    <a:solidFill>
+                      <a:srgbClr val="FFFFFF"/>
+                    </a:solidFill>
+                  </a:tcPr>
+                </a:tc>
+                <a:tc>
+                  <a:txBody>
+                    <a:bodyPr tIns="18288" bIns="18288" lIns="45720" rIns="45720"/>
+                    <a:lstStyle/>
+                    <a:p>
+                      <a:pPr>
+                        <a:defRPr sz="700">
+                          <a:latin typeface="Arial Narrow"/>
+                        </a:defRPr>
+                      </a:pPr>
+                    </a:p>
+                  </a:txBody>
+                  <a:tcPr>
+                    <a:solidFill>
+                      <a:srgbClr val="FFFFFF"/>
+                    </a:solidFill>
+                  </a:tcPr>
                 </a:tc>
                 <a:tc>
                   <a:txBody>
@@ -3496,7 +3576,11 @@
                       </a:r>
                     </a:p>
                   </a:txBody>
-                  <a:tcPr/>
+                  <a:tcPr>
+                    <a:solidFill>
+                      <a:srgbClr val="FFFFFF"/>
+                    </a:solidFill>
+                  </a:tcPr>
                 </a:tc>
                 <a:tc>
                   <a:txBody>
@@ -3513,41 +3597,71 @@
                       </a:r>
                     </a:p>
                   </a:txBody>
-                  <a:tcPr/>
-                </a:tc>
-                <a:tc>
-                  <a:txBody>
-                    <a:bodyPr tIns="18288" bIns="18288" lIns="45720" rIns="45720"/>
-                    <a:lstStyle/>
-                    <a:p>
-                      <a:pPr>
-                        <a:defRPr sz="700">
-                          <a:latin typeface="Arial Narrow"/>
-                        </a:defRPr>
-                      </a:pPr>
-                      <a:r>
-                        <a:t>-13.20734200000000058, 27.1452750000000016</a:t>
-                      </a:r>
-                    </a:p>
-                  </a:txBody>
-                  <a:tcPr/>
-                </a:tc>
-                <a:tc>
-                  <a:txBody>
-                    <a:bodyPr tIns="18288" bIns="18288" lIns="45720" rIns="45720"/>
-                    <a:lstStyle/>
-                    <a:p>
-                      <a:pPr>
-                        <a:defRPr sz="700">
-                          <a:latin typeface="Arial Narrow"/>
-                        </a:defRPr>
-                      </a:pPr>
-                      <a:r>
-                        <a:t>27.14830560, -13.20555560</a:t>
-                      </a:r>
-                    </a:p>
-                  </a:txBody>
-                  <a:tcPr/>
+                  <a:tcPr>
+                    <a:solidFill>
+                      <a:srgbClr val="FFFFFF"/>
+                    </a:solidFill>
+                  </a:tcPr>
+                </a:tc>
+                <a:tc>
+                  <a:txBody>
+                    <a:bodyPr tIns="18288" bIns="18288" lIns="45720" rIns="45720"/>
+                    <a:lstStyle/>
+                    <a:p>
+                      <a:pPr>
+                        <a:defRPr sz="700">
+                          <a:latin typeface="Arial Narrow"/>
+                        </a:defRPr>
+                      </a:pPr>
+                    </a:p>
+                  </a:txBody>
+                  <a:tcPr>
+                    <a:solidFill>
+                      <a:srgbClr val="FFFFFF"/>
+                    </a:solidFill>
+                  </a:tcPr>
+                </a:tc>
+                <a:tc>
+                  <a:txBody>
+                    <a:bodyPr tIns="18288" bIns="18288" lIns="45720" rIns="45720"/>
+                    <a:lstStyle/>
+                    <a:p>
+                      <a:pPr>
+                        <a:defRPr sz="700">
+                          <a:latin typeface="Arial Narrow"/>
+                        </a:defRPr>
+                      </a:pPr>
+                      <a:r>
+                        <a:t>-13.20734, 27.14528</a:t>
+                      </a:r>
+                    </a:p>
+                  </a:txBody>
+                  <a:tcPr>
+                    <a:solidFill>
+                      <a:srgbClr val="FFFFFF"/>
+                    </a:solidFill>
+                  </a:tcPr>
+                </a:tc>
+                <a:tc>
+                  <a:txBody>
+                    <a:bodyPr tIns="18288" bIns="18288" lIns="45720" rIns="45720"/>
+                    <a:lstStyle/>
+                    <a:p>
+                      <a:pPr>
+                        <a:defRPr sz="700">
+                          <a:latin typeface="Arial Narrow"/>
+                        </a:defRPr>
+                      </a:pPr>
+                      <a:r>
+                        <a:t>27.14831, -13.20556</a:t>
+                      </a:r>
+                    </a:p>
+                  </a:txBody>
+                  <a:tcPr>
+                    <a:solidFill>
+                      <a:srgbClr val="FFFFFF"/>
+                    </a:solidFill>
+                  </a:tcPr>
                 </a:tc>
               </a:tr>
               <a:tr h="18000">
@@ -3568,7 +3682,7 @@
                   </a:txBody>
                   <a:tcPr>
                     <a:solidFill>
-                      <a:srgbClr val="F2F2F2"/>
+                      <a:srgbClr val="FFD4B9"/>
                     </a:solidFill>
                   </a:tcPr>
                 </a:tc>
@@ -3589,7 +3703,7 @@
                   </a:txBody>
                   <a:tcPr>
                     <a:solidFill>
-                      <a:srgbClr val="F2F2F2"/>
+                      <a:srgbClr val="FFD4B9"/>
                     </a:solidFill>
                   </a:tcPr>
                 </a:tc>
@@ -3610,7 +3724,28 @@
                   </a:txBody>
                   <a:tcPr>
                     <a:solidFill>
-                      <a:srgbClr val="F2F2F2"/>
+                      <a:srgbClr val="FFD4B9"/>
+                    </a:solidFill>
+                  </a:tcPr>
+                </a:tc>
+                <a:tc>
+                  <a:txBody>
+                    <a:bodyPr tIns="18288" bIns="18288" lIns="45720" rIns="45720"/>
+                    <a:lstStyle/>
+                    <a:p>
+                      <a:pPr>
+                        <a:defRPr sz="700">
+                          <a:latin typeface="Arial Narrow"/>
+                        </a:defRPr>
+                      </a:pPr>
+                      <a:r>
+                        <a:t>GH</a:t>
+                      </a:r>
+                    </a:p>
+                  </a:txBody>
+                  <a:tcPr>
+                    <a:solidFill>
+                      <a:srgbClr val="FFD4B9"/>
                     </a:solidFill>
                   </a:tcPr>
                 </a:tc>
@@ -3631,7 +3766,7 @@
                   </a:txBody>
                   <a:tcPr>
                     <a:solidFill>
-                      <a:srgbClr val="F2F2F2"/>
+                      <a:srgbClr val="FFD4B9"/>
                     </a:solidFill>
                   </a:tcPr>
                 </a:tc>
@@ -3652,49 +3787,70 @@
                   </a:txBody>
                   <a:tcPr>
                     <a:solidFill>
-                      <a:srgbClr val="F2F2F2"/>
-                    </a:solidFill>
-                  </a:tcPr>
-                </a:tc>
-                <a:tc>
-                  <a:txBody>
-                    <a:bodyPr tIns="18288" bIns="18288" lIns="45720" rIns="45720"/>
-                    <a:lstStyle/>
-                    <a:p>
-                      <a:pPr>
-                        <a:defRPr sz="700">
-                          <a:latin typeface="Arial Narrow"/>
-                        </a:defRPr>
-                      </a:pPr>
-                      <a:r>
-                        <a:t>-13.20293670000000041, 27.15869269999999958</a:t>
-                      </a:r>
-                    </a:p>
-                  </a:txBody>
-                  <a:tcPr>
-                    <a:solidFill>
-                      <a:srgbClr val="F2F2F2"/>
-                    </a:solidFill>
-                  </a:tcPr>
-                </a:tc>
-                <a:tc>
-                  <a:txBody>
-                    <a:bodyPr tIns="18288" bIns="18288" lIns="45720" rIns="45720"/>
-                    <a:lstStyle/>
-                    <a:p>
-                      <a:pPr>
-                        <a:defRPr sz="700">
-                          <a:latin typeface="Arial Narrow"/>
-                        </a:defRPr>
-                      </a:pPr>
-                      <a:r>
-                        <a:t>27.15796708, -13.20530034</a:t>
-                      </a:r>
-                    </a:p>
-                  </a:txBody>
-                  <a:tcPr>
-                    <a:solidFill>
-                      <a:srgbClr val="F2F2F2"/>
+                      <a:srgbClr val="FFD4B9"/>
+                    </a:solidFill>
+                  </a:tcPr>
+                </a:tc>
+                <a:tc>
+                  <a:txBody>
+                    <a:bodyPr tIns="18288" bIns="18288" lIns="45720" rIns="45720"/>
+                    <a:lstStyle/>
+                    <a:p>
+                      <a:pPr>
+                        <a:defRPr sz="700">
+                          <a:latin typeface="Arial Narrow"/>
+                        </a:defRPr>
+                      </a:pPr>
+                      <a:r>
+                        <a:t>YJYYT</a:t>
+                      </a:r>
+                    </a:p>
+                  </a:txBody>
+                  <a:tcPr>
+                    <a:solidFill>
+                      <a:srgbClr val="FFD4B9"/>
+                    </a:solidFill>
+                  </a:tcPr>
+                </a:tc>
+                <a:tc>
+                  <a:txBody>
+                    <a:bodyPr tIns="18288" bIns="18288" lIns="45720" rIns="45720"/>
+                    <a:lstStyle/>
+                    <a:p>
+                      <a:pPr>
+                        <a:defRPr sz="700">
+                          <a:latin typeface="Arial Narrow"/>
+                        </a:defRPr>
+                      </a:pPr>
+                      <a:r>
+                        <a:t>-13.20294, 27.15869</a:t>
+                      </a:r>
+                    </a:p>
+                  </a:txBody>
+                  <a:tcPr>
+                    <a:solidFill>
+                      <a:srgbClr val="FFD4B9"/>
+                    </a:solidFill>
+                  </a:tcPr>
+                </a:tc>
+                <a:tc>
+                  <a:txBody>
+                    <a:bodyPr tIns="18288" bIns="18288" lIns="45720" rIns="45720"/>
+                    <a:lstStyle/>
+                    <a:p>
+                      <a:pPr>
+                        <a:defRPr sz="700">
+                          <a:latin typeface="Arial Narrow"/>
+                        </a:defRPr>
+                      </a:pPr>
+                      <a:r>
+                        <a:t>27.15797, -13.20530</a:t>
+                      </a:r>
+                    </a:p>
+                  </a:txBody>
+                  <a:tcPr>
+                    <a:solidFill>
+                      <a:srgbClr val="FFD4B9"/>
                     </a:solidFill>
                   </a:tcPr>
                 </a:tc>
@@ -3715,7 +3871,11 @@
                       </a:r>
                     </a:p>
                   </a:txBody>
-                  <a:tcPr/>
+                  <a:tcPr>
+                    <a:solidFill>
+                      <a:srgbClr val="FFFFFF"/>
+                    </a:solidFill>
+                  </a:tcPr>
                 </a:tc>
                 <a:tc>
                   <a:txBody>
@@ -3732,7 +3892,11 @@
                       </a:r>
                     </a:p>
                   </a:txBody>
-                  <a:tcPr/>
+                  <a:tcPr>
+                    <a:solidFill>
+                      <a:srgbClr val="FFFFFF"/>
+                    </a:solidFill>
+                  </a:tcPr>
                 </a:tc>
                 <a:tc>
                   <a:txBody>
@@ -3749,7 +3913,32 @@
                       </a:r>
                     </a:p>
                   </a:txBody>
-                  <a:tcPr/>
+                  <a:tcPr>
+                    <a:solidFill>
+                      <a:srgbClr val="FFFFFF"/>
+                    </a:solidFill>
+                  </a:tcPr>
+                </a:tc>
+                <a:tc>
+                  <a:txBody>
+                    <a:bodyPr tIns="18288" bIns="18288" lIns="45720" rIns="45720"/>
+                    <a:lstStyle/>
+                    <a:p>
+                      <a:pPr>
+                        <a:defRPr sz="700">
+                          <a:latin typeface="Arial Narrow"/>
+                        </a:defRPr>
+                      </a:pPr>
+                      <a:r>
+                        <a:t>GVDS</a:t>
+                      </a:r>
+                    </a:p>
+                  </a:txBody>
+                  <a:tcPr>
+                    <a:solidFill>
+                      <a:srgbClr val="FFFFFF"/>
+                    </a:solidFill>
+                  </a:tcPr>
                 </a:tc>
                 <a:tc>
                   <a:txBody>
@@ -3766,7 +3955,11 @@
                       </a:r>
                     </a:p>
                   </a:txBody>
-                  <a:tcPr/>
+                  <a:tcPr>
+                    <a:solidFill>
+                      <a:srgbClr val="FFFFFF"/>
+                    </a:solidFill>
+                  </a:tcPr>
                 </a:tc>
                 <a:tc>
                   <a:txBody>
@@ -3783,41 +3976,74 @@
                       </a:r>
                     </a:p>
                   </a:txBody>
-                  <a:tcPr/>
-                </a:tc>
-                <a:tc>
-                  <a:txBody>
-                    <a:bodyPr tIns="18288" bIns="18288" lIns="45720" rIns="45720"/>
-                    <a:lstStyle/>
-                    <a:p>
-                      <a:pPr>
-                        <a:defRPr sz="700">
-                          <a:latin typeface="Arial Narrow"/>
-                        </a:defRPr>
-                      </a:pPr>
-                      <a:r>
-                        <a:t>-13.20909499999999959, 27.16280529999999871</a:t>
-                      </a:r>
-                    </a:p>
-                  </a:txBody>
-                  <a:tcPr/>
-                </a:tc>
-                <a:tc>
-                  <a:txBody>
-                    <a:bodyPr tIns="18288" bIns="18288" lIns="45720" rIns="45720"/>
-                    <a:lstStyle/>
-                    <a:p>
-                      <a:pPr>
-                        <a:defRPr sz="700">
-                          <a:latin typeface="Arial Narrow"/>
-                        </a:defRPr>
-                      </a:pPr>
-                      <a:r>
-                        <a:t>27.15796708, -13.20530034</a:t>
-                      </a:r>
-                    </a:p>
-                  </a:txBody>
-                  <a:tcPr/>
+                  <a:tcPr>
+                    <a:solidFill>
+                      <a:srgbClr val="FFFFFF"/>
+                    </a:solidFill>
+                  </a:tcPr>
+                </a:tc>
+                <a:tc>
+                  <a:txBody>
+                    <a:bodyPr tIns="18288" bIns="18288" lIns="45720" rIns="45720"/>
+                    <a:lstStyle/>
+                    <a:p>
+                      <a:pPr>
+                        <a:defRPr sz="700">
+                          <a:latin typeface="Arial Narrow"/>
+                        </a:defRPr>
+                      </a:pPr>
+                      <a:r>
+                        <a:t>KJ</a:t>
+                      </a:r>
+                    </a:p>
+                  </a:txBody>
+                  <a:tcPr>
+                    <a:solidFill>
+                      <a:srgbClr val="FFFFFF"/>
+                    </a:solidFill>
+                  </a:tcPr>
+                </a:tc>
+                <a:tc>
+                  <a:txBody>
+                    <a:bodyPr tIns="18288" bIns="18288" lIns="45720" rIns="45720"/>
+                    <a:lstStyle/>
+                    <a:p>
+                      <a:pPr>
+                        <a:defRPr sz="700">
+                          <a:latin typeface="Arial Narrow"/>
+                        </a:defRPr>
+                      </a:pPr>
+                      <a:r>
+                        <a:t>-13.20909, 27.16281</a:t>
+                      </a:r>
+                    </a:p>
+                  </a:txBody>
+                  <a:tcPr>
+                    <a:solidFill>
+                      <a:srgbClr val="FFFFFF"/>
+                    </a:solidFill>
+                  </a:tcPr>
+                </a:tc>
+                <a:tc>
+                  <a:txBody>
+                    <a:bodyPr tIns="18288" bIns="18288" lIns="45720" rIns="45720"/>
+                    <a:lstStyle/>
+                    <a:p>
+                      <a:pPr>
+                        <a:defRPr sz="700">
+                          <a:latin typeface="Arial Narrow"/>
+                        </a:defRPr>
+                      </a:pPr>
+                      <a:r>
+                        <a:t>27.15797, -13.20530</a:t>
+                      </a:r>
+                    </a:p>
+                  </a:txBody>
+                  <a:tcPr>
+                    <a:solidFill>
+                      <a:srgbClr val="FFFFFF"/>
+                    </a:solidFill>
+                  </a:tcPr>
                 </a:tc>
               </a:tr>
               <a:tr h="18000">
@@ -3838,7 +4064,7 @@
                   </a:txBody>
                   <a:tcPr>
                     <a:solidFill>
-                      <a:srgbClr val="F2F2F2"/>
+                      <a:srgbClr val="FFD4B9"/>
                     </a:solidFill>
                   </a:tcPr>
                 </a:tc>
@@ -3859,7 +4085,7 @@
                   </a:txBody>
                   <a:tcPr>
                     <a:solidFill>
-                      <a:srgbClr val="F2F2F2"/>
+                      <a:srgbClr val="FFD4B9"/>
                     </a:solidFill>
                   </a:tcPr>
                 </a:tc>
@@ -3880,7 +4106,28 @@
                   </a:txBody>
                   <a:tcPr>
                     <a:solidFill>
-                      <a:srgbClr val="F2F2F2"/>
+                      <a:srgbClr val="FFD4B9"/>
+                    </a:solidFill>
+                  </a:tcPr>
+                </a:tc>
+                <a:tc>
+                  <a:txBody>
+                    <a:bodyPr tIns="18288" bIns="18288" lIns="45720" rIns="45720"/>
+                    <a:lstStyle/>
+                    <a:p>
+                      <a:pPr>
+                        <a:defRPr sz="700">
+                          <a:latin typeface="Arial Narrow"/>
+                        </a:defRPr>
+                      </a:pPr>
+                      <a:r>
+                        <a:t>sd</a:t>
+                      </a:r>
+                    </a:p>
+                  </a:txBody>
+                  <a:tcPr>
+                    <a:solidFill>
+                      <a:srgbClr val="FFD4B9"/>
                     </a:solidFill>
                   </a:tcPr>
                 </a:tc>
@@ -3901,7 +4148,7 @@
                   </a:txBody>
                   <a:tcPr>
                     <a:solidFill>
-                      <a:srgbClr val="F2F2F2"/>
+                      <a:srgbClr val="FFD4B9"/>
                     </a:solidFill>
                   </a:tcPr>
                 </a:tc>
@@ -3922,49 +4169,70 @@
                   </a:txBody>
                   <a:tcPr>
                     <a:solidFill>
-                      <a:srgbClr val="F2F2F2"/>
-                    </a:solidFill>
-                  </a:tcPr>
-                </a:tc>
-                <a:tc>
-                  <a:txBody>
-                    <a:bodyPr tIns="18288" bIns="18288" lIns="45720" rIns="45720"/>
-                    <a:lstStyle/>
-                    <a:p>
-                      <a:pPr>
-                        <a:defRPr sz="700">
-                          <a:latin typeface="Arial Narrow"/>
-                        </a:defRPr>
-                      </a:pPr>
-                      <a:r>
-                        <a:t>-13.20010779999999961, 27.16143449999999859</a:t>
-                      </a:r>
-                    </a:p>
-                  </a:txBody>
-                  <a:tcPr>
-                    <a:solidFill>
-                      <a:srgbClr val="F2F2F2"/>
-                    </a:solidFill>
-                  </a:tcPr>
-                </a:tc>
-                <a:tc>
-                  <a:txBody>
-                    <a:bodyPr tIns="18288" bIns="18288" lIns="45720" rIns="45720"/>
-                    <a:lstStyle/>
-                    <a:p>
-                      <a:pPr>
-                        <a:defRPr sz="700">
-                          <a:latin typeface="Arial Narrow"/>
-                        </a:defRPr>
-                      </a:pPr>
-                      <a:r>
-                        <a:t>27.15796708, -13.20530034</a:t>
-                      </a:r>
-                    </a:p>
-                  </a:txBody>
-                  <a:tcPr>
-                    <a:solidFill>
-                      <a:srgbClr val="F2F2F2"/>
+                      <a:srgbClr val="FFD4B9"/>
+                    </a:solidFill>
+                  </a:tcPr>
+                </a:tc>
+                <a:tc>
+                  <a:txBody>
+                    <a:bodyPr tIns="18288" bIns="18288" lIns="45720" rIns="45720"/>
+                    <a:lstStyle/>
+                    <a:p>
+                      <a:pPr>
+                        <a:defRPr sz="700">
+                          <a:latin typeface="Arial Narrow"/>
+                        </a:defRPr>
+                      </a:pPr>
+                      <a:r>
+                        <a:t>YU</a:t>
+                      </a:r>
+                    </a:p>
+                  </a:txBody>
+                  <a:tcPr>
+                    <a:solidFill>
+                      <a:srgbClr val="FFD4B9"/>
+                    </a:solidFill>
+                  </a:tcPr>
+                </a:tc>
+                <a:tc>
+                  <a:txBody>
+                    <a:bodyPr tIns="18288" bIns="18288" lIns="45720" rIns="45720"/>
+                    <a:lstStyle/>
+                    <a:p>
+                      <a:pPr>
+                        <a:defRPr sz="700">
+                          <a:latin typeface="Arial Narrow"/>
+                        </a:defRPr>
+                      </a:pPr>
+                      <a:r>
+                        <a:t>-13.20011, 27.16143</a:t>
+                      </a:r>
+                    </a:p>
+                  </a:txBody>
+                  <a:tcPr>
+                    <a:solidFill>
+                      <a:srgbClr val="FFD4B9"/>
+                    </a:solidFill>
+                  </a:tcPr>
+                </a:tc>
+                <a:tc>
+                  <a:txBody>
+                    <a:bodyPr tIns="18288" bIns="18288" lIns="45720" rIns="45720"/>
+                    <a:lstStyle/>
+                    <a:p>
+                      <a:pPr>
+                        <a:defRPr sz="700">
+                          <a:latin typeface="Arial Narrow"/>
+                        </a:defRPr>
+                      </a:pPr>
+                      <a:r>
+                        <a:t>27.15797, -13.20530</a:t>
+                      </a:r>
+                    </a:p>
+                  </a:txBody>
+                  <a:tcPr>
+                    <a:solidFill>
+                      <a:srgbClr val="FFD4B9"/>
                     </a:solidFill>
                   </a:tcPr>
                 </a:tc>
@@ -3985,7 +4253,11 @@
                       </a:r>
                     </a:p>
                   </a:txBody>
-                  <a:tcPr/>
+                  <a:tcPr>
+                    <a:solidFill>
+                      <a:srgbClr val="FFFFFF"/>
+                    </a:solidFill>
+                  </a:tcPr>
                 </a:tc>
                 <a:tc>
                   <a:txBody>
@@ -4002,7 +4274,11 @@
                       </a:r>
                     </a:p>
                   </a:txBody>
-                  <a:tcPr/>
+                  <a:tcPr>
+                    <a:solidFill>
+                      <a:srgbClr val="FFFFFF"/>
+                    </a:solidFill>
+                  </a:tcPr>
                 </a:tc>
                 <a:tc>
                   <a:txBody>
@@ -4019,7 +4295,32 @@
                       </a:r>
                     </a:p>
                   </a:txBody>
-                  <a:tcPr/>
+                  <a:tcPr>
+                    <a:solidFill>
+                      <a:srgbClr val="FFFFFF"/>
+                    </a:solidFill>
+                  </a:tcPr>
+                </a:tc>
+                <a:tc>
+                  <a:txBody>
+                    <a:bodyPr tIns="18288" bIns="18288" lIns="45720" rIns="45720"/>
+                    <a:lstStyle/>
+                    <a:p>
+                      <a:pPr>
+                        <a:defRPr sz="700">
+                          <a:latin typeface="Arial Narrow"/>
+                        </a:defRPr>
+                      </a:pPr>
+                      <a:r>
+                        <a:t>TRFNBRF</a:t>
+                      </a:r>
+                    </a:p>
+                  </a:txBody>
+                  <a:tcPr>
+                    <a:solidFill>
+                      <a:srgbClr val="FFFFFF"/>
+                    </a:solidFill>
+                  </a:tcPr>
                 </a:tc>
                 <a:tc>
                   <a:txBody>
@@ -4036,7 +4337,11 @@
                       </a:r>
                     </a:p>
                   </a:txBody>
-                  <a:tcPr/>
+                  <a:tcPr>
+                    <a:solidFill>
+                      <a:srgbClr val="FFFFFF"/>
+                    </a:solidFill>
+                  </a:tcPr>
                 </a:tc>
                 <a:tc>
                   <a:txBody>
@@ -4053,41 +4358,74 @@
                       </a:r>
                     </a:p>
                   </a:txBody>
-                  <a:tcPr/>
-                </a:tc>
-                <a:tc>
-                  <a:txBody>
-                    <a:bodyPr tIns="18288" bIns="18288" lIns="45720" rIns="45720"/>
-                    <a:lstStyle/>
-                    <a:p>
-                      <a:pPr>
-                        <a:defRPr sz="700">
-                          <a:latin typeface="Arial Narrow"/>
-                        </a:defRPr>
-                      </a:pPr>
-                      <a:r>
-                        <a:t>-13.20539989999999975, 27.16229999999999833</a:t>
-                      </a:r>
-                    </a:p>
-                  </a:txBody>
-                  <a:tcPr/>
-                </a:tc>
-                <a:tc>
-                  <a:txBody>
-                    <a:bodyPr tIns="18288" bIns="18288" lIns="45720" rIns="45720"/>
-                    <a:lstStyle/>
-                    <a:p>
-                      <a:pPr>
-                        <a:defRPr sz="700">
-                          <a:latin typeface="Arial Narrow"/>
-                        </a:defRPr>
-                      </a:pPr>
-                      <a:r>
-                        <a:t>27.15796708, -13.20530034</a:t>
-                      </a:r>
-                    </a:p>
-                  </a:txBody>
-                  <a:tcPr/>
+                  <a:tcPr>
+                    <a:solidFill>
+                      <a:srgbClr val="FFFFFF"/>
+                    </a:solidFill>
+                  </a:tcPr>
+                </a:tc>
+                <a:tc>
+                  <a:txBody>
+                    <a:bodyPr tIns="18288" bIns="18288" lIns="45720" rIns="45720"/>
+                    <a:lstStyle/>
+                    <a:p>
+                      <a:pPr>
+                        <a:defRPr sz="700">
+                          <a:latin typeface="Arial Narrow"/>
+                        </a:defRPr>
+                      </a:pPr>
+                      <a:r>
+                        <a:t>JYUK</a:t>
+                      </a:r>
+                    </a:p>
+                  </a:txBody>
+                  <a:tcPr>
+                    <a:solidFill>
+                      <a:srgbClr val="FFFFFF"/>
+                    </a:solidFill>
+                  </a:tcPr>
+                </a:tc>
+                <a:tc>
+                  <a:txBody>
+                    <a:bodyPr tIns="18288" bIns="18288" lIns="45720" rIns="45720"/>
+                    <a:lstStyle/>
+                    <a:p>
+                      <a:pPr>
+                        <a:defRPr sz="700">
+                          <a:latin typeface="Arial Narrow"/>
+                        </a:defRPr>
+                      </a:pPr>
+                      <a:r>
+                        <a:t>-13.20540, 27.16230</a:t>
+                      </a:r>
+                    </a:p>
+                  </a:txBody>
+                  <a:tcPr>
+                    <a:solidFill>
+                      <a:srgbClr val="FFFFFF"/>
+                    </a:solidFill>
+                  </a:tcPr>
+                </a:tc>
+                <a:tc>
+                  <a:txBody>
+                    <a:bodyPr tIns="18288" bIns="18288" lIns="45720" rIns="45720"/>
+                    <a:lstStyle/>
+                    <a:p>
+                      <a:pPr>
+                        <a:defRPr sz="700">
+                          <a:latin typeface="Arial Narrow"/>
+                        </a:defRPr>
+                      </a:pPr>
+                      <a:r>
+                        <a:t>27.15797, -13.20530</a:t>
+                      </a:r>
+                    </a:p>
+                  </a:txBody>
+                  <a:tcPr>
+                    <a:solidFill>
+                      <a:srgbClr val="FFFFFF"/>
+                    </a:solidFill>
+                  </a:tcPr>
                 </a:tc>
               </a:tr>
               <a:tr h="18000">
@@ -4108,7 +4446,7 @@
                   </a:txBody>
                   <a:tcPr>
                     <a:solidFill>
-                      <a:srgbClr val="F2F2F2"/>
+                      <a:srgbClr val="FFD4B9"/>
                     </a:solidFill>
                   </a:tcPr>
                 </a:tc>
@@ -4129,7 +4467,7 @@
                   </a:txBody>
                   <a:tcPr>
                     <a:solidFill>
-                      <a:srgbClr val="F2F2F2"/>
+                      <a:srgbClr val="FFD4B9"/>
                     </a:solidFill>
                   </a:tcPr>
                 </a:tc>
@@ -4150,7 +4488,25 @@
                   </a:txBody>
                   <a:tcPr>
                     <a:solidFill>
-                      <a:srgbClr val="F2F2F2"/>
+                      <a:srgbClr val="FFD4B9"/>
+                    </a:solidFill>
+                  </a:tcPr>
+                </a:tc>
+                <a:tc>
+                  <a:txBody>
+                    <a:bodyPr tIns="18288" bIns="18288" lIns="45720" rIns="45720"/>
+                    <a:lstStyle/>
+                    <a:p>
+                      <a:pPr>
+                        <a:defRPr sz="700">
+                          <a:latin typeface="Arial Narrow"/>
+                        </a:defRPr>
+                      </a:pPr>
+                    </a:p>
+                  </a:txBody>
+                  <a:tcPr>
+                    <a:solidFill>
+                      <a:srgbClr val="FFD4B9"/>
                     </a:solidFill>
                   </a:tcPr>
                 </a:tc>
@@ -4171,7 +4527,7 @@
                   </a:txBody>
                   <a:tcPr>
                     <a:solidFill>
-                      <a:srgbClr val="F2F2F2"/>
+                      <a:srgbClr val="FFD4B9"/>
                     </a:solidFill>
                   </a:tcPr>
                 </a:tc>
@@ -4192,49 +4548,67 @@
                   </a:txBody>
                   <a:tcPr>
                     <a:solidFill>
-                      <a:srgbClr val="F2F2F2"/>
-                    </a:solidFill>
-                  </a:tcPr>
-                </a:tc>
-                <a:tc>
-                  <a:txBody>
-                    <a:bodyPr tIns="18288" bIns="18288" lIns="45720" rIns="45720"/>
-                    <a:lstStyle/>
-                    <a:p>
-                      <a:pPr>
-                        <a:defRPr sz="700">
-                          <a:latin typeface="Arial Narrow"/>
-                        </a:defRPr>
-                      </a:pPr>
-                      <a:r>
-                        <a:t>-13.19438899999999926, 27.13275000000000148</a:t>
-                      </a:r>
-                    </a:p>
-                  </a:txBody>
-                  <a:tcPr>
-                    <a:solidFill>
-                      <a:srgbClr val="F2F2F2"/>
-                    </a:solidFill>
-                  </a:tcPr>
-                </a:tc>
-                <a:tc>
-                  <a:txBody>
-                    <a:bodyPr tIns="18288" bIns="18288" lIns="45720" rIns="45720"/>
-                    <a:lstStyle/>
-                    <a:p>
-                      <a:pPr>
-                        <a:defRPr sz="700">
-                          <a:latin typeface="Arial Narrow"/>
-                        </a:defRPr>
-                      </a:pPr>
-                      <a:r>
-                        <a:t>27.13491611, -13.19848564</a:t>
-                      </a:r>
-                    </a:p>
-                  </a:txBody>
-                  <a:tcPr>
-                    <a:solidFill>
-                      <a:srgbClr val="F2F2F2"/>
+                      <a:srgbClr val="FFD4B9"/>
+                    </a:solidFill>
+                  </a:tcPr>
+                </a:tc>
+                <a:tc>
+                  <a:txBody>
+                    <a:bodyPr tIns="18288" bIns="18288" lIns="45720" rIns="45720"/>
+                    <a:lstStyle/>
+                    <a:p>
+                      <a:pPr>
+                        <a:defRPr sz="700">
+                          <a:latin typeface="Arial Narrow"/>
+                        </a:defRPr>
+                      </a:pPr>
+                    </a:p>
+                  </a:txBody>
+                  <a:tcPr>
+                    <a:solidFill>
+                      <a:srgbClr val="FFD4B9"/>
+                    </a:solidFill>
+                  </a:tcPr>
+                </a:tc>
+                <a:tc>
+                  <a:txBody>
+                    <a:bodyPr tIns="18288" bIns="18288" lIns="45720" rIns="45720"/>
+                    <a:lstStyle/>
+                    <a:p>
+                      <a:pPr>
+                        <a:defRPr sz="700">
+                          <a:latin typeface="Arial Narrow"/>
+                        </a:defRPr>
+                      </a:pPr>
+                      <a:r>
+                        <a:t>-13.19439, 27.13275</a:t>
+                      </a:r>
+                    </a:p>
+                  </a:txBody>
+                  <a:tcPr>
+                    <a:solidFill>
+                      <a:srgbClr val="FFD4B9"/>
+                    </a:solidFill>
+                  </a:tcPr>
+                </a:tc>
+                <a:tc>
+                  <a:txBody>
+                    <a:bodyPr tIns="18288" bIns="18288" lIns="45720" rIns="45720"/>
+                    <a:lstStyle/>
+                    <a:p>
+                      <a:pPr>
+                        <a:defRPr sz="700">
+                          <a:latin typeface="Arial Narrow"/>
+                        </a:defRPr>
+                      </a:pPr>
+                      <a:r>
+                        <a:t>27.13492, -13.19849</a:t>
+                      </a:r>
+                    </a:p>
+                  </a:txBody>
+                  <a:tcPr>
+                    <a:solidFill>
+                      <a:srgbClr val="FFD4B9"/>
                     </a:solidFill>
                   </a:tcPr>
                 </a:tc>
@@ -4255,7 +4629,11 @@
                       </a:r>
                     </a:p>
                   </a:txBody>
-                  <a:tcPr/>
+                  <a:tcPr>
+                    <a:solidFill>
+                      <a:srgbClr val="FFFFFF"/>
+                    </a:solidFill>
+                  </a:tcPr>
                 </a:tc>
                 <a:tc>
                   <a:txBody>
@@ -4272,7 +4650,11 @@
                       </a:r>
                     </a:p>
                   </a:txBody>
-                  <a:tcPr/>
+                  <a:tcPr>
+                    <a:solidFill>
+                      <a:srgbClr val="FFFFFF"/>
+                    </a:solidFill>
+                  </a:tcPr>
                 </a:tc>
                 <a:tc>
                   <a:txBody>
@@ -4289,7 +4671,32 @@
                       </a:r>
                     </a:p>
                   </a:txBody>
-                  <a:tcPr/>
+                  <a:tcPr>
+                    <a:solidFill>
+                      <a:srgbClr val="FFFFFF"/>
+                    </a:solidFill>
+                  </a:tcPr>
+                </a:tc>
+                <a:tc>
+                  <a:txBody>
+                    <a:bodyPr tIns="18288" bIns="18288" lIns="45720" rIns="45720"/>
+                    <a:lstStyle/>
+                    <a:p>
+                      <a:pPr>
+                        <a:defRPr sz="700">
+                          <a:latin typeface="Arial Narrow"/>
+                        </a:defRPr>
+                      </a:pPr>
+                      <a:r>
+                        <a:t>dfezfegrgfz</a:t>
+                      </a:r>
+                    </a:p>
+                  </a:txBody>
+                  <a:tcPr>
+                    <a:solidFill>
+                      <a:srgbClr val="FFFFFF"/>
+                    </a:solidFill>
+                  </a:tcPr>
                 </a:tc>
                 <a:tc>
                   <a:txBody>
@@ -4306,7 +4713,11 @@
                       </a:r>
                     </a:p>
                   </a:txBody>
-                  <a:tcPr/>
+                  <a:tcPr>
+                    <a:solidFill>
+                      <a:srgbClr val="FFFFFF"/>
+                    </a:solidFill>
+                  </a:tcPr>
                 </a:tc>
                 <a:tc>
                   <a:txBody>
@@ -4323,41 +4734,74 @@
                       </a:r>
                     </a:p>
                   </a:txBody>
-                  <a:tcPr/>
-                </a:tc>
-                <a:tc>
-                  <a:txBody>
-                    <a:bodyPr tIns="18288" bIns="18288" lIns="45720" rIns="45720"/>
-                    <a:lstStyle/>
-                    <a:p>
-                      <a:pPr>
-                        <a:defRPr sz="700">
-                          <a:latin typeface="Arial Narrow"/>
-                        </a:defRPr>
-                      </a:pPr>
-                      <a:r>
-                        <a:t>-13.18873690000000032, 27.13451909999999856</a:t>
-                      </a:r>
-                    </a:p>
-                  </a:txBody>
-                  <a:tcPr/>
-                </a:tc>
-                <a:tc>
-                  <a:txBody>
-                    <a:bodyPr tIns="18288" bIns="18288" lIns="45720" rIns="45720"/>
-                    <a:lstStyle/>
-                    <a:p>
-                      <a:pPr>
-                        <a:defRPr sz="700">
-                          <a:latin typeface="Arial Narrow"/>
-                        </a:defRPr>
-                      </a:pPr>
-                      <a:r>
-                        <a:t>27.13873631, -13.19135810</a:t>
-                      </a:r>
-                    </a:p>
-                  </a:txBody>
-                  <a:tcPr/>
+                  <a:tcPr>
+                    <a:solidFill>
+                      <a:srgbClr val="FFFFFF"/>
+                    </a:solidFill>
+                  </a:tcPr>
+                </a:tc>
+                <a:tc>
+                  <a:txBody>
+                    <a:bodyPr tIns="18288" bIns="18288" lIns="45720" rIns="45720"/>
+                    <a:lstStyle/>
+                    <a:p>
+                      <a:pPr>
+                        <a:defRPr sz="700">
+                          <a:latin typeface="Arial Narrow"/>
+                        </a:defRPr>
+                      </a:pPr>
+                      <a:r>
+                        <a:t>EPITGS</a:t>
+                      </a:r>
+                    </a:p>
+                  </a:txBody>
+                  <a:tcPr>
+                    <a:solidFill>
+                      <a:srgbClr val="FFFFFF"/>
+                    </a:solidFill>
+                  </a:tcPr>
+                </a:tc>
+                <a:tc>
+                  <a:txBody>
+                    <a:bodyPr tIns="18288" bIns="18288" lIns="45720" rIns="45720"/>
+                    <a:lstStyle/>
+                    <a:p>
+                      <a:pPr>
+                        <a:defRPr sz="700">
+                          <a:latin typeface="Arial Narrow"/>
+                        </a:defRPr>
+                      </a:pPr>
+                      <a:r>
+                        <a:t>-13.18874, 27.13452</a:t>
+                      </a:r>
+                    </a:p>
+                  </a:txBody>
+                  <a:tcPr>
+                    <a:solidFill>
+                      <a:srgbClr val="FFFFFF"/>
+                    </a:solidFill>
+                  </a:tcPr>
+                </a:tc>
+                <a:tc>
+                  <a:txBody>
+                    <a:bodyPr tIns="18288" bIns="18288" lIns="45720" rIns="45720"/>
+                    <a:lstStyle/>
+                    <a:p>
+                      <a:pPr>
+                        <a:defRPr sz="700">
+                          <a:latin typeface="Arial Narrow"/>
+                        </a:defRPr>
+                      </a:pPr>
+                      <a:r>
+                        <a:t>27.13874, -13.19136</a:t>
+                      </a:r>
+                    </a:p>
+                  </a:txBody>
+                  <a:tcPr>
+                    <a:solidFill>
+                      <a:srgbClr val="FFFFFF"/>
+                    </a:solidFill>
+                  </a:tcPr>
                 </a:tc>
               </a:tr>
               <a:tr h="18000">
@@ -4378,7 +4822,7 @@
                   </a:txBody>
                   <a:tcPr>
                     <a:solidFill>
-                      <a:srgbClr val="F2F2F2"/>
+                      <a:srgbClr val="FFD4B9"/>
                     </a:solidFill>
                   </a:tcPr>
                 </a:tc>
@@ -4399,7 +4843,7 @@
                   </a:txBody>
                   <a:tcPr>
                     <a:solidFill>
-                      <a:srgbClr val="F2F2F2"/>
+                      <a:srgbClr val="FFD4B9"/>
                     </a:solidFill>
                   </a:tcPr>
                 </a:tc>
@@ -4420,7 +4864,28 @@
                   </a:txBody>
                   <a:tcPr>
                     <a:solidFill>
-                      <a:srgbClr val="F2F2F2"/>
+                      <a:srgbClr val="FFD4B9"/>
+                    </a:solidFill>
+                  </a:tcPr>
+                </a:tc>
+                <a:tc>
+                  <a:txBody>
+                    <a:bodyPr tIns="18288" bIns="18288" lIns="45720" rIns="45720"/>
+                    <a:lstStyle/>
+                    <a:p>
+                      <a:pPr>
+                        <a:defRPr sz="700">
+                          <a:latin typeface="Arial Narrow"/>
+                        </a:defRPr>
+                      </a:pPr>
+                      <a:r>
+                        <a:t>SG</a:t>
+                      </a:r>
+                    </a:p>
+                  </a:txBody>
+                  <a:tcPr>
+                    <a:solidFill>
+                      <a:srgbClr val="FFD4B9"/>
                     </a:solidFill>
                   </a:tcPr>
                 </a:tc>
@@ -4441,7 +4906,7 @@
                   </a:txBody>
                   <a:tcPr>
                     <a:solidFill>
-                      <a:srgbClr val="F2F2F2"/>
+                      <a:srgbClr val="FFD4B9"/>
                     </a:solidFill>
                   </a:tcPr>
                 </a:tc>
@@ -4462,49 +4927,70 @@
                   </a:txBody>
                   <a:tcPr>
                     <a:solidFill>
-                      <a:srgbClr val="F2F2F2"/>
-                    </a:solidFill>
-                  </a:tcPr>
-                </a:tc>
-                <a:tc>
-                  <a:txBody>
-                    <a:bodyPr tIns="18288" bIns="18288" lIns="45720" rIns="45720"/>
-                    <a:lstStyle/>
-                    <a:p>
-                      <a:pPr>
-                        <a:defRPr sz="700">
-                          <a:latin typeface="Arial Narrow"/>
-                        </a:defRPr>
-                      </a:pPr>
-                      <a:r>
-                        <a:t>-13.16544440000000016, 27.13966669999999937</a:t>
-                      </a:r>
-                    </a:p>
-                  </a:txBody>
-                  <a:tcPr>
-                    <a:solidFill>
-                      <a:srgbClr val="F2F2F2"/>
-                    </a:solidFill>
-                  </a:tcPr>
-                </a:tc>
-                <a:tc>
-                  <a:txBody>
-                    <a:bodyPr tIns="18288" bIns="18288" lIns="45720" rIns="45720"/>
-                    <a:lstStyle/>
-                    <a:p>
-                      <a:pPr>
-                        <a:defRPr sz="700">
-                          <a:latin typeface="Arial Narrow"/>
-                        </a:defRPr>
-                      </a:pPr>
-                      <a:r>
-                        <a:t>27.13610000, -13.17920000</a:t>
-                      </a:r>
-                    </a:p>
-                  </a:txBody>
-                  <a:tcPr>
-                    <a:solidFill>
-                      <a:srgbClr val="F2F2F2"/>
+                      <a:srgbClr val="FFD4B9"/>
+                    </a:solidFill>
+                  </a:tcPr>
+                </a:tc>
+                <a:tc>
+                  <a:txBody>
+                    <a:bodyPr tIns="18288" bIns="18288" lIns="45720" rIns="45720"/>
+                    <a:lstStyle/>
+                    <a:p>
+                      <a:pPr>
+                        <a:defRPr sz="700">
+                          <a:latin typeface="Arial Narrow"/>
+                        </a:defRPr>
+                      </a:pPr>
+                      <a:r>
+                        <a:t>K?U</a:t>
+                      </a:r>
+                    </a:p>
+                  </a:txBody>
+                  <a:tcPr>
+                    <a:solidFill>
+                      <a:srgbClr val="FFD4B9"/>
+                    </a:solidFill>
+                  </a:tcPr>
+                </a:tc>
+                <a:tc>
+                  <a:txBody>
+                    <a:bodyPr tIns="18288" bIns="18288" lIns="45720" rIns="45720"/>
+                    <a:lstStyle/>
+                    <a:p>
+                      <a:pPr>
+                        <a:defRPr sz="700">
+                          <a:latin typeface="Arial Narrow"/>
+                        </a:defRPr>
+                      </a:pPr>
+                      <a:r>
+                        <a:t>-13.16544, 27.13967</a:t>
+                      </a:r>
+                    </a:p>
+                  </a:txBody>
+                  <a:tcPr>
+                    <a:solidFill>
+                      <a:srgbClr val="FFD4B9"/>
+                    </a:solidFill>
+                  </a:tcPr>
+                </a:tc>
+                <a:tc>
+                  <a:txBody>
+                    <a:bodyPr tIns="18288" bIns="18288" lIns="45720" rIns="45720"/>
+                    <a:lstStyle/>
+                    <a:p>
+                      <a:pPr>
+                        <a:defRPr sz="700">
+                          <a:latin typeface="Arial Narrow"/>
+                        </a:defRPr>
+                      </a:pPr>
+                      <a:r>
+                        <a:t>27.13610, -13.17920</a:t>
+                      </a:r>
+                    </a:p>
+                  </a:txBody>
+                  <a:tcPr>
+                    <a:solidFill>
+                      <a:srgbClr val="FFD4B9"/>
                     </a:solidFill>
                   </a:tcPr>
                 </a:tc>
@@ -4525,7 +5011,11 @@
                       </a:r>
                     </a:p>
                   </a:txBody>
-                  <a:tcPr/>
+                  <a:tcPr>
+                    <a:solidFill>
+                      <a:srgbClr val="FFFFFF"/>
+                    </a:solidFill>
+                  </a:tcPr>
                 </a:tc>
                 <a:tc>
                   <a:txBody>
@@ -4542,7 +5032,11 @@
                       </a:r>
                     </a:p>
                   </a:txBody>
-                  <a:tcPr/>
+                  <a:tcPr>
+                    <a:solidFill>
+                      <a:srgbClr val="FFFFFF"/>
+                    </a:solidFill>
+                  </a:tcPr>
                 </a:tc>
                 <a:tc>
                   <a:txBody>
@@ -4559,7 +5053,29 @@
                       </a:r>
                     </a:p>
                   </a:txBody>
-                  <a:tcPr/>
+                  <a:tcPr>
+                    <a:solidFill>
+                      <a:srgbClr val="FFFFFF"/>
+                    </a:solidFill>
+                  </a:tcPr>
+                </a:tc>
+                <a:tc>
+                  <a:txBody>
+                    <a:bodyPr tIns="18288" bIns="18288" lIns="45720" rIns="45720"/>
+                    <a:lstStyle/>
+                    <a:p>
+                      <a:pPr>
+                        <a:defRPr sz="700">
+                          <a:latin typeface="Arial Narrow"/>
+                        </a:defRPr>
+                      </a:pPr>
+                    </a:p>
+                  </a:txBody>
+                  <a:tcPr>
+                    <a:solidFill>
+                      <a:srgbClr val="FFFFFF"/>
+                    </a:solidFill>
+                  </a:tcPr>
                 </a:tc>
                 <a:tc>
                   <a:txBody>
@@ -4576,7 +5092,11 @@
                       </a:r>
                     </a:p>
                   </a:txBody>
-                  <a:tcPr/>
+                  <a:tcPr>
+                    <a:solidFill>
+                      <a:srgbClr val="FFFFFF"/>
+                    </a:solidFill>
+                  </a:tcPr>
                 </a:tc>
                 <a:tc>
                   <a:txBody>
@@ -4593,41 +5113,71 @@
                       </a:r>
                     </a:p>
                   </a:txBody>
-                  <a:tcPr/>
-                </a:tc>
-                <a:tc>
-                  <a:txBody>
-                    <a:bodyPr tIns="18288" bIns="18288" lIns="45720" rIns="45720"/>
-                    <a:lstStyle/>
-                    <a:p>
-                      <a:pPr>
-                        <a:defRPr sz="700">
-                          <a:latin typeface="Arial Narrow"/>
-                        </a:defRPr>
-                      </a:pPr>
-                      <a:r>
-                        <a:t>-13.19458299999999973, 27.13658300000000168</a:t>
-                      </a:r>
-                    </a:p>
-                  </a:txBody>
-                  <a:tcPr/>
-                </a:tc>
-                <a:tc>
-                  <a:txBody>
-                    <a:bodyPr tIns="18288" bIns="18288" lIns="45720" rIns="45720"/>
-                    <a:lstStyle/>
-                    <a:p>
-                      <a:pPr>
-                        <a:defRPr sz="700">
-                          <a:latin typeface="Arial Narrow"/>
-                        </a:defRPr>
-                      </a:pPr>
-                      <a:r>
-                        <a:t>27.13491611, -13.19848564</a:t>
-                      </a:r>
-                    </a:p>
-                  </a:txBody>
-                  <a:tcPr/>
+                  <a:tcPr>
+                    <a:solidFill>
+                      <a:srgbClr val="FFFFFF"/>
+                    </a:solidFill>
+                  </a:tcPr>
+                </a:tc>
+                <a:tc>
+                  <a:txBody>
+                    <a:bodyPr tIns="18288" bIns="18288" lIns="45720" rIns="45720"/>
+                    <a:lstStyle/>
+                    <a:p>
+                      <a:pPr>
+                        <a:defRPr sz="700">
+                          <a:latin typeface="Arial Narrow"/>
+                        </a:defRPr>
+                      </a:pPr>
+                    </a:p>
+                  </a:txBody>
+                  <a:tcPr>
+                    <a:solidFill>
+                      <a:srgbClr val="FFFFFF"/>
+                    </a:solidFill>
+                  </a:tcPr>
+                </a:tc>
+                <a:tc>
+                  <a:txBody>
+                    <a:bodyPr tIns="18288" bIns="18288" lIns="45720" rIns="45720"/>
+                    <a:lstStyle/>
+                    <a:p>
+                      <a:pPr>
+                        <a:defRPr sz="700">
+                          <a:latin typeface="Arial Narrow"/>
+                        </a:defRPr>
+                      </a:pPr>
+                      <a:r>
+                        <a:t>-13.19458, 27.13658</a:t>
+                      </a:r>
+                    </a:p>
+                  </a:txBody>
+                  <a:tcPr>
+                    <a:solidFill>
+                      <a:srgbClr val="FFFFFF"/>
+                    </a:solidFill>
+                  </a:tcPr>
+                </a:tc>
+                <a:tc>
+                  <a:txBody>
+                    <a:bodyPr tIns="18288" bIns="18288" lIns="45720" rIns="45720"/>
+                    <a:lstStyle/>
+                    <a:p>
+                      <a:pPr>
+                        <a:defRPr sz="700">
+                          <a:latin typeface="Arial Narrow"/>
+                        </a:defRPr>
+                      </a:pPr>
+                      <a:r>
+                        <a:t>27.13492, -13.19849</a:t>
+                      </a:r>
+                    </a:p>
+                  </a:txBody>
+                  <a:tcPr>
+                    <a:solidFill>
+                      <a:srgbClr val="FFFFFF"/>
+                    </a:solidFill>
+                  </a:tcPr>
                 </a:tc>
               </a:tr>
               <a:tr h="18000">
@@ -4648,7 +5198,7 @@
                   </a:txBody>
                   <a:tcPr>
                     <a:solidFill>
-                      <a:srgbClr val="F2F2F2"/>
+                      <a:srgbClr val="FFD4B9"/>
                     </a:solidFill>
                   </a:tcPr>
                 </a:tc>
@@ -4669,7 +5219,7 @@
                   </a:txBody>
                   <a:tcPr>
                     <a:solidFill>
-                      <a:srgbClr val="F2F2F2"/>
+                      <a:srgbClr val="FFD4B9"/>
                     </a:solidFill>
                   </a:tcPr>
                 </a:tc>
@@ -4690,7 +5240,28 @@
                   </a:txBody>
                   <a:tcPr>
                     <a:solidFill>
-                      <a:srgbClr val="F2F2F2"/>
+                      <a:srgbClr val="FFD4B9"/>
+                    </a:solidFill>
+                  </a:tcPr>
+                </a:tc>
+                <a:tc>
+                  <a:txBody>
+                    <a:bodyPr tIns="18288" bIns="18288" lIns="45720" rIns="45720"/>
+                    <a:lstStyle/>
+                    <a:p>
+                      <a:pPr>
+                        <a:defRPr sz="700">
+                          <a:latin typeface="Arial Narrow"/>
+                        </a:defRPr>
+                      </a:pPr>
+                      <a:r>
+                        <a:t>JY</a:t>
+                      </a:r>
+                    </a:p>
+                  </a:txBody>
+                  <a:tcPr>
+                    <a:solidFill>
+                      <a:srgbClr val="FFD4B9"/>
                     </a:solidFill>
                   </a:tcPr>
                 </a:tc>
@@ -4711,7 +5282,7 @@
                   </a:txBody>
                   <a:tcPr>
                     <a:solidFill>
-                      <a:srgbClr val="F2F2F2"/>
+                      <a:srgbClr val="FFD4B9"/>
                     </a:solidFill>
                   </a:tcPr>
                 </a:tc>
@@ -4732,49 +5303,70 @@
                   </a:txBody>
                   <a:tcPr>
                     <a:solidFill>
-                      <a:srgbClr val="F2F2F2"/>
-                    </a:solidFill>
-                  </a:tcPr>
-                </a:tc>
-                <a:tc>
-                  <a:txBody>
-                    <a:bodyPr tIns="18288" bIns="18288" lIns="45720" rIns="45720"/>
-                    <a:lstStyle/>
-                    <a:p>
-                      <a:pPr>
-                        <a:defRPr sz="700">
-                          <a:latin typeface="Arial Narrow"/>
-                        </a:defRPr>
-                      </a:pPr>
-                      <a:r>
-                        <a:t>-13.1571599999999993, 27.1434899999999999</a:t>
-                      </a:r>
-                    </a:p>
-                  </a:txBody>
-                  <a:tcPr>
-                    <a:solidFill>
-                      <a:srgbClr val="F2F2F2"/>
-                    </a:solidFill>
-                  </a:tcPr>
-                </a:tc>
-                <a:tc>
-                  <a:txBody>
-                    <a:bodyPr tIns="18288" bIns="18288" lIns="45720" rIns="45720"/>
-                    <a:lstStyle/>
-                    <a:p>
-                      <a:pPr>
-                        <a:defRPr sz="700">
-                          <a:latin typeface="Arial Narrow"/>
-                        </a:defRPr>
-                      </a:pPr>
-                      <a:r>
-                        <a:t>27.13610000, -13.17920000</a:t>
-                      </a:r>
-                    </a:p>
-                  </a:txBody>
-                  <a:tcPr>
-                    <a:solidFill>
-                      <a:srgbClr val="F2F2F2"/>
+                      <a:srgbClr val="FFD4B9"/>
+                    </a:solidFill>
+                  </a:tcPr>
+                </a:tc>
+                <a:tc>
+                  <a:txBody>
+                    <a:bodyPr tIns="18288" bIns="18288" lIns="45720" rIns="45720"/>
+                    <a:lstStyle/>
+                    <a:p>
+                      <a:pPr>
+                        <a:defRPr sz="700">
+                          <a:latin typeface="Arial Narrow"/>
+                        </a:defRPr>
+                      </a:pPr>
+                      <a:r>
+                        <a:t>THYJUY?</a:t>
+                      </a:r>
+                    </a:p>
+                  </a:txBody>
+                  <a:tcPr>
+                    <a:solidFill>
+                      <a:srgbClr val="FFD4B9"/>
+                    </a:solidFill>
+                  </a:tcPr>
+                </a:tc>
+                <a:tc>
+                  <a:txBody>
+                    <a:bodyPr tIns="18288" bIns="18288" lIns="45720" rIns="45720"/>
+                    <a:lstStyle/>
+                    <a:p>
+                      <a:pPr>
+                        <a:defRPr sz="700">
+                          <a:latin typeface="Arial Narrow"/>
+                        </a:defRPr>
+                      </a:pPr>
+                      <a:r>
+                        <a:t>-13.15716, 27.14349</a:t>
+                      </a:r>
+                    </a:p>
+                  </a:txBody>
+                  <a:tcPr>
+                    <a:solidFill>
+                      <a:srgbClr val="FFD4B9"/>
+                    </a:solidFill>
+                  </a:tcPr>
+                </a:tc>
+                <a:tc>
+                  <a:txBody>
+                    <a:bodyPr tIns="18288" bIns="18288" lIns="45720" rIns="45720"/>
+                    <a:lstStyle/>
+                    <a:p>
+                      <a:pPr>
+                        <a:defRPr sz="700">
+                          <a:latin typeface="Arial Narrow"/>
+                        </a:defRPr>
+                      </a:pPr>
+                      <a:r>
+                        <a:t>27.13610, -13.17920</a:t>
+                      </a:r>
+                    </a:p>
+                  </a:txBody>
+                  <a:tcPr>
+                    <a:solidFill>
+                      <a:srgbClr val="FFD4B9"/>
                     </a:solidFill>
                   </a:tcPr>
                 </a:tc>
@@ -4795,7 +5387,11 @@
                       </a:r>
                     </a:p>
                   </a:txBody>
-                  <a:tcPr/>
+                  <a:tcPr>
+                    <a:solidFill>
+                      <a:srgbClr val="FFFFFF"/>
+                    </a:solidFill>
+                  </a:tcPr>
                 </a:tc>
                 <a:tc>
                   <a:txBody>
@@ -4812,7 +5408,11 @@
                       </a:r>
                     </a:p>
                   </a:txBody>
-                  <a:tcPr/>
+                  <a:tcPr>
+                    <a:solidFill>
+                      <a:srgbClr val="FFFFFF"/>
+                    </a:solidFill>
+                  </a:tcPr>
                 </a:tc>
                 <a:tc>
                   <a:txBody>
@@ -4829,7 +5429,32 @@
                       </a:r>
                     </a:p>
                   </a:txBody>
-                  <a:tcPr/>
+                  <a:tcPr>
+                    <a:solidFill>
+                      <a:srgbClr val="FFFFFF"/>
+                    </a:solidFill>
+                  </a:tcPr>
+                </a:tc>
+                <a:tc>
+                  <a:txBody>
+                    <a:bodyPr tIns="18288" bIns="18288" lIns="45720" rIns="45720"/>
+                    <a:lstStyle/>
+                    <a:p>
+                      <a:pPr>
+                        <a:defRPr sz="700">
+                          <a:latin typeface="Arial Narrow"/>
+                        </a:defRPr>
+                      </a:pPr>
+                      <a:r>
+                        <a:t>YJ</a:t>
+                      </a:r>
+                    </a:p>
+                  </a:txBody>
+                  <a:tcPr>
+                    <a:solidFill>
+                      <a:srgbClr val="FFFFFF"/>
+                    </a:solidFill>
+                  </a:tcPr>
                 </a:tc>
                 <a:tc>
                   <a:txBody>
@@ -4846,7 +5471,11 @@
                       </a:r>
                     </a:p>
                   </a:txBody>
-                  <a:tcPr/>
+                  <a:tcPr>
+                    <a:solidFill>
+                      <a:srgbClr val="FFFFFF"/>
+                    </a:solidFill>
+                  </a:tcPr>
                 </a:tc>
                 <a:tc>
                   <a:txBody>
@@ -4863,41 +5492,74 @@
                       </a:r>
                     </a:p>
                   </a:txBody>
-                  <a:tcPr/>
-                </a:tc>
-                <a:tc>
-                  <a:txBody>
-                    <a:bodyPr tIns="18288" bIns="18288" lIns="45720" rIns="45720"/>
-                    <a:lstStyle/>
-                    <a:p>
-                      <a:pPr>
-                        <a:defRPr sz="700">
-                          <a:latin typeface="Arial Narrow"/>
-                        </a:defRPr>
-                      </a:pPr>
-                      <a:r>
-                        <a:t>-13.16569999999999929, 27.12959999999999994</a:t>
-                      </a:r>
-                    </a:p>
-                  </a:txBody>
-                  <a:tcPr/>
-                </a:tc>
-                <a:tc>
-                  <a:txBody>
-                    <a:bodyPr tIns="18288" bIns="18288" lIns="45720" rIns="45720"/>
-                    <a:lstStyle/>
-                    <a:p>
-                      <a:pPr>
-                        <a:defRPr sz="700">
-                          <a:latin typeface="Arial Narrow"/>
-                        </a:defRPr>
-                      </a:pPr>
-                      <a:r>
-                        <a:t>27.13610000, -13.17920000</a:t>
-                      </a:r>
-                    </a:p>
-                  </a:txBody>
-                  <a:tcPr/>
+                  <a:tcPr>
+                    <a:solidFill>
+                      <a:srgbClr val="FFFFFF"/>
+                    </a:solidFill>
+                  </a:tcPr>
+                </a:tc>
+                <a:tc>
+                  <a:txBody>
+                    <a:bodyPr tIns="18288" bIns="18288" lIns="45720" rIns="45720"/>
+                    <a:lstStyle/>
+                    <a:p>
+                      <a:pPr>
+                        <a:defRPr sz="700">
+                          <a:latin typeface="Arial Narrow"/>
+                        </a:defRPr>
+                      </a:pPr>
+                      <a:r>
+                        <a:t>SDDZZFEZFEZV</a:t>
+                      </a:r>
+                    </a:p>
+                  </a:txBody>
+                  <a:tcPr>
+                    <a:solidFill>
+                      <a:srgbClr val="FFFFFF"/>
+                    </a:solidFill>
+                  </a:tcPr>
+                </a:tc>
+                <a:tc>
+                  <a:txBody>
+                    <a:bodyPr tIns="18288" bIns="18288" lIns="45720" rIns="45720"/>
+                    <a:lstStyle/>
+                    <a:p>
+                      <a:pPr>
+                        <a:defRPr sz="700">
+                          <a:latin typeface="Arial Narrow"/>
+                        </a:defRPr>
+                      </a:pPr>
+                      <a:r>
+                        <a:t>-13.16570, 27.12960</a:t>
+                      </a:r>
+                    </a:p>
+                  </a:txBody>
+                  <a:tcPr>
+                    <a:solidFill>
+                      <a:srgbClr val="FFFFFF"/>
+                    </a:solidFill>
+                  </a:tcPr>
+                </a:tc>
+                <a:tc>
+                  <a:txBody>
+                    <a:bodyPr tIns="18288" bIns="18288" lIns="45720" rIns="45720"/>
+                    <a:lstStyle/>
+                    <a:p>
+                      <a:pPr>
+                        <a:defRPr sz="700">
+                          <a:latin typeface="Arial Narrow"/>
+                        </a:defRPr>
+                      </a:pPr>
+                      <a:r>
+                        <a:t>27.13610, -13.17920</a:t>
+                      </a:r>
+                    </a:p>
+                  </a:txBody>
+                  <a:tcPr>
+                    <a:solidFill>
+                      <a:srgbClr val="FFFFFF"/>
+                    </a:solidFill>
+                  </a:tcPr>
                 </a:tc>
               </a:tr>
               <a:tr h="18000">
@@ -4918,7 +5580,7 @@
                   </a:txBody>
                   <a:tcPr>
                     <a:solidFill>
-                      <a:srgbClr val="F2F2F2"/>
+                      <a:srgbClr val="FFD4B9"/>
                     </a:solidFill>
                   </a:tcPr>
                 </a:tc>
@@ -4939,7 +5601,7 @@
                   </a:txBody>
                   <a:tcPr>
                     <a:solidFill>
-                      <a:srgbClr val="F2F2F2"/>
+                      <a:srgbClr val="FFD4B9"/>
                     </a:solidFill>
                   </a:tcPr>
                 </a:tc>
@@ -4960,7 +5622,28 @@
                   </a:txBody>
                   <a:tcPr>
                     <a:solidFill>
-                      <a:srgbClr val="F2F2F2"/>
+                      <a:srgbClr val="FFD4B9"/>
+                    </a:solidFill>
+                  </a:tcPr>
+                </a:tc>
+                <a:tc>
+                  <a:txBody>
+                    <a:bodyPr tIns="18288" bIns="18288" lIns="45720" rIns="45720"/>
+                    <a:lstStyle/>
+                    <a:p>
+                      <a:pPr>
+                        <a:defRPr sz="700">
+                          <a:latin typeface="Arial Narrow"/>
+                        </a:defRPr>
+                      </a:pPr>
+                      <a:r>
+                        <a:t>FVRV</a:t>
+                      </a:r>
+                    </a:p>
+                  </a:txBody>
+                  <a:tcPr>
+                    <a:solidFill>
+                      <a:srgbClr val="FFD4B9"/>
                     </a:solidFill>
                   </a:tcPr>
                 </a:tc>
@@ -4981,7 +5664,7 @@
                   </a:txBody>
                   <a:tcPr>
                     <a:solidFill>
-                      <a:srgbClr val="F2F2F2"/>
+                      <a:srgbClr val="FFD4B9"/>
                     </a:solidFill>
                   </a:tcPr>
                 </a:tc>
@@ -5002,49 +5685,70 @@
                   </a:txBody>
                   <a:tcPr>
                     <a:solidFill>
-                      <a:srgbClr val="F2F2F2"/>
-                    </a:solidFill>
-                  </a:tcPr>
-                </a:tc>
-                <a:tc>
-                  <a:txBody>
-                    <a:bodyPr tIns="18288" bIns="18288" lIns="45720" rIns="45720"/>
-                    <a:lstStyle/>
-                    <a:p>
-                      <a:pPr>
-                        <a:defRPr sz="700">
-                          <a:latin typeface="Arial Narrow"/>
-                        </a:defRPr>
-                      </a:pPr>
-                      <a:r>
-                        <a:t>-13.16869439999999969, 27.10963890000000021</a:t>
-                      </a:r>
-                    </a:p>
-                  </a:txBody>
-                  <a:tcPr>
-                    <a:solidFill>
-                      <a:srgbClr val="F2F2F2"/>
-                    </a:solidFill>
-                  </a:tcPr>
-                </a:tc>
-                <a:tc>
-                  <a:txBody>
-                    <a:bodyPr tIns="18288" bIns="18288" lIns="45720" rIns="45720"/>
-                    <a:lstStyle/>
-                    <a:p>
-                      <a:pPr>
-                        <a:defRPr sz="700">
-                          <a:latin typeface="Arial Narrow"/>
-                        </a:defRPr>
-                      </a:pPr>
-                      <a:r>
-                        <a:t>27.13873631, -13.19135810</a:t>
-                      </a:r>
-                    </a:p>
-                  </a:txBody>
-                  <a:tcPr>
-                    <a:solidFill>
-                      <a:srgbClr val="F2F2F2"/>
+                      <a:srgbClr val="FFD4B9"/>
+                    </a:solidFill>
+                  </a:tcPr>
+                </a:tc>
+                <a:tc>
+                  <a:txBody>
+                    <a:bodyPr tIns="18288" bIns="18288" lIns="45720" rIns="45720"/>
+                    <a:lstStyle/>
+                    <a:p>
+                      <a:pPr>
+                        <a:defRPr sz="700">
+                          <a:latin typeface="Arial Narrow"/>
+                        </a:defRPr>
+                      </a:pPr>
+                      <a:r>
+                        <a:t>SF</a:t>
+                      </a:r>
+                    </a:p>
+                  </a:txBody>
+                  <a:tcPr>
+                    <a:solidFill>
+                      <a:srgbClr val="FFD4B9"/>
+                    </a:solidFill>
+                  </a:tcPr>
+                </a:tc>
+                <a:tc>
+                  <a:txBody>
+                    <a:bodyPr tIns="18288" bIns="18288" lIns="45720" rIns="45720"/>
+                    <a:lstStyle/>
+                    <a:p>
+                      <a:pPr>
+                        <a:defRPr sz="700">
+                          <a:latin typeface="Arial Narrow"/>
+                        </a:defRPr>
+                      </a:pPr>
+                      <a:r>
+                        <a:t>-13.16869, 27.10964</a:t>
+                      </a:r>
+                    </a:p>
+                  </a:txBody>
+                  <a:tcPr>
+                    <a:solidFill>
+                      <a:srgbClr val="FFD4B9"/>
+                    </a:solidFill>
+                  </a:tcPr>
+                </a:tc>
+                <a:tc>
+                  <a:txBody>
+                    <a:bodyPr tIns="18288" bIns="18288" lIns="45720" rIns="45720"/>
+                    <a:lstStyle/>
+                    <a:p>
+                      <a:pPr>
+                        <a:defRPr sz="700">
+                          <a:latin typeface="Arial Narrow"/>
+                        </a:defRPr>
+                      </a:pPr>
+                      <a:r>
+                        <a:t>27.13874, -13.19136</a:t>
+                      </a:r>
+                    </a:p>
+                  </a:txBody>
+                  <a:tcPr>
+                    <a:solidFill>
+                      <a:srgbClr val="FFD4B9"/>
                     </a:solidFill>
                   </a:tcPr>
                 </a:tc>
@@ -5065,7 +5769,11 @@
                       </a:r>
                     </a:p>
                   </a:txBody>
-                  <a:tcPr/>
+                  <a:tcPr>
+                    <a:solidFill>
+                      <a:srgbClr val="FFFFFF"/>
+                    </a:solidFill>
+                  </a:tcPr>
                 </a:tc>
                 <a:tc>
                   <a:txBody>
@@ -5082,7 +5790,11 @@
                       </a:r>
                     </a:p>
                   </a:txBody>
-                  <a:tcPr/>
+                  <a:tcPr>
+                    <a:solidFill>
+                      <a:srgbClr val="FFFFFF"/>
+                    </a:solidFill>
+                  </a:tcPr>
                 </a:tc>
                 <a:tc>
                   <a:txBody>
@@ -5099,7 +5811,32 @@
                       </a:r>
                     </a:p>
                   </a:txBody>
-                  <a:tcPr/>
+                  <a:tcPr>
+                    <a:solidFill>
+                      <a:srgbClr val="FFFFFF"/>
+                    </a:solidFill>
+                  </a:tcPr>
+                </a:tc>
+                <a:tc>
+                  <a:txBody>
+                    <a:bodyPr tIns="18288" bIns="18288" lIns="45720" rIns="45720"/>
+                    <a:lstStyle/>
+                    <a:p>
+                      <a:pPr>
+                        <a:defRPr sz="700">
+                          <a:latin typeface="Arial Narrow"/>
+                        </a:defRPr>
+                      </a:pPr>
+                      <a:r>
+                        <a:t>33R3R</a:t>
+                      </a:r>
+                    </a:p>
+                  </a:txBody>
+                  <a:tcPr>
+                    <a:solidFill>
+                      <a:srgbClr val="FFFFFF"/>
+                    </a:solidFill>
+                  </a:tcPr>
                 </a:tc>
                 <a:tc>
                   <a:txBody>
@@ -5116,7 +5853,11 @@
                       </a:r>
                     </a:p>
                   </a:txBody>
-                  <a:tcPr/>
+                  <a:tcPr>
+                    <a:solidFill>
+                      <a:srgbClr val="FFFFFF"/>
+                    </a:solidFill>
+                  </a:tcPr>
                 </a:tc>
                 <a:tc>
                   <a:txBody>
@@ -5133,41 +5874,74 @@
                       </a:r>
                     </a:p>
                   </a:txBody>
-                  <a:tcPr/>
-                </a:tc>
-                <a:tc>
-                  <a:txBody>
-                    <a:bodyPr tIns="18288" bIns="18288" lIns="45720" rIns="45720"/>
-                    <a:lstStyle/>
-                    <a:p>
-                      <a:pPr>
-                        <a:defRPr sz="700">
-                          <a:latin typeface="Arial Narrow"/>
-                        </a:defRPr>
-                      </a:pPr>
-                      <a:r>
-                        <a:t>-13.16355599999999981, 27.11272200000000154</a:t>
-                      </a:r>
-                    </a:p>
-                  </a:txBody>
-                  <a:tcPr/>
-                </a:tc>
-                <a:tc>
-                  <a:txBody>
-                    <a:bodyPr tIns="18288" bIns="18288" lIns="45720" rIns="45720"/>
-                    <a:lstStyle/>
-                    <a:p>
-                      <a:pPr>
-                        <a:defRPr sz="700">
-                          <a:latin typeface="Arial Narrow"/>
-                        </a:defRPr>
-                      </a:pPr>
-                      <a:r>
-                        <a:t>27.13873631, -13.19135810</a:t>
-                      </a:r>
-                    </a:p>
-                  </a:txBody>
-                  <a:tcPr/>
+                  <a:tcPr>
+                    <a:solidFill>
+                      <a:srgbClr val="FFFFFF"/>
+                    </a:solidFill>
+                  </a:tcPr>
+                </a:tc>
+                <a:tc>
+                  <a:txBody>
+                    <a:bodyPr tIns="18288" bIns="18288" lIns="45720" rIns="45720"/>
+                    <a:lstStyle/>
+                    <a:p>
+                      <a:pPr>
+                        <a:defRPr sz="700">
+                          <a:latin typeface="Arial Narrow"/>
+                        </a:defRPr>
+                      </a:pPr>
+                      <a:r>
+                        <a:t>SDOPPZD</a:t>
+                      </a:r>
+                    </a:p>
+                  </a:txBody>
+                  <a:tcPr>
+                    <a:solidFill>
+                      <a:srgbClr val="FFFFFF"/>
+                    </a:solidFill>
+                  </a:tcPr>
+                </a:tc>
+                <a:tc>
+                  <a:txBody>
+                    <a:bodyPr tIns="18288" bIns="18288" lIns="45720" rIns="45720"/>
+                    <a:lstStyle/>
+                    <a:p>
+                      <a:pPr>
+                        <a:defRPr sz="700">
+                          <a:latin typeface="Arial Narrow"/>
+                        </a:defRPr>
+                      </a:pPr>
+                      <a:r>
+                        <a:t>-13.16356, 27.11272</a:t>
+                      </a:r>
+                    </a:p>
+                  </a:txBody>
+                  <a:tcPr>
+                    <a:solidFill>
+                      <a:srgbClr val="FFFFFF"/>
+                    </a:solidFill>
+                  </a:tcPr>
+                </a:tc>
+                <a:tc>
+                  <a:txBody>
+                    <a:bodyPr tIns="18288" bIns="18288" lIns="45720" rIns="45720"/>
+                    <a:lstStyle/>
+                    <a:p>
+                      <a:pPr>
+                        <a:defRPr sz="700">
+                          <a:latin typeface="Arial Narrow"/>
+                        </a:defRPr>
+                      </a:pPr>
+                      <a:r>
+                        <a:t>27.13874, -13.19136</a:t>
+                      </a:r>
+                    </a:p>
+                  </a:txBody>
+                  <a:tcPr>
+                    <a:solidFill>
+                      <a:srgbClr val="FFFFFF"/>
+                    </a:solidFill>
+                  </a:tcPr>
                 </a:tc>
               </a:tr>
               <a:tr h="18000">
@@ -5188,7 +5962,7 @@
                   </a:txBody>
                   <a:tcPr>
                     <a:solidFill>
-                      <a:srgbClr val="F2F2F2"/>
+                      <a:srgbClr val="FFD4B9"/>
                     </a:solidFill>
                   </a:tcPr>
                 </a:tc>
@@ -5209,7 +5983,7 @@
                   </a:txBody>
                   <a:tcPr>
                     <a:solidFill>
-                      <a:srgbClr val="F2F2F2"/>
+                      <a:srgbClr val="FFD4B9"/>
                     </a:solidFill>
                   </a:tcPr>
                 </a:tc>
@@ -5230,7 +6004,28 @@
                   </a:txBody>
                   <a:tcPr>
                     <a:solidFill>
-                      <a:srgbClr val="F2F2F2"/>
+                      <a:srgbClr val="FFD4B9"/>
+                    </a:solidFill>
+                  </a:tcPr>
+                </a:tc>
+                <a:tc>
+                  <a:txBody>
+                    <a:bodyPr tIns="18288" bIns="18288" lIns="45720" rIns="45720"/>
+                    <a:lstStyle/>
+                    <a:p>
+                      <a:pPr>
+                        <a:defRPr sz="700">
+                          <a:latin typeface="Arial Narrow"/>
+                        </a:defRPr>
+                      </a:pPr>
+                      <a:r>
+                        <a:t>F3R33Z</a:t>
+                      </a:r>
+                    </a:p>
+                  </a:txBody>
+                  <a:tcPr>
+                    <a:solidFill>
+                      <a:srgbClr val="FFD4B9"/>
                     </a:solidFill>
                   </a:tcPr>
                 </a:tc>
@@ -5251,7 +6046,7 @@
                   </a:txBody>
                   <a:tcPr>
                     <a:solidFill>
-                      <a:srgbClr val="F2F2F2"/>
+                      <a:srgbClr val="FFD4B9"/>
                     </a:solidFill>
                   </a:tcPr>
                 </a:tc>
@@ -5272,49 +6067,70 @@
                   </a:txBody>
                   <a:tcPr>
                     <a:solidFill>
-                      <a:srgbClr val="F2F2F2"/>
-                    </a:solidFill>
-                  </a:tcPr>
-                </a:tc>
-                <a:tc>
-                  <a:txBody>
-                    <a:bodyPr tIns="18288" bIns="18288" lIns="45720" rIns="45720"/>
-                    <a:lstStyle/>
-                    <a:p>
-                      <a:pPr>
-                        <a:defRPr sz="700">
-                          <a:latin typeface="Arial Narrow"/>
-                        </a:defRPr>
-                      </a:pPr>
-                      <a:r>
-                        <a:t>-13.17837160000000019, 27.12260789999999844</a:t>
-                      </a:r>
-                    </a:p>
-                  </a:txBody>
-                  <a:tcPr>
-                    <a:solidFill>
-                      <a:srgbClr val="F2F2F2"/>
-                    </a:solidFill>
-                  </a:tcPr>
-                </a:tc>
-                <a:tc>
-                  <a:txBody>
-                    <a:bodyPr tIns="18288" bIns="18288" lIns="45720" rIns="45720"/>
-                    <a:lstStyle/>
-                    <a:p>
-                      <a:pPr>
-                        <a:defRPr sz="700">
-                          <a:latin typeface="Arial Narrow"/>
-                        </a:defRPr>
-                      </a:pPr>
-                      <a:r>
-                        <a:t>27.13873631, -13.19135810</a:t>
-                      </a:r>
-                    </a:p>
-                  </a:txBody>
-                  <a:tcPr>
-                    <a:solidFill>
-                      <a:srgbClr val="F2F2F2"/>
+                      <a:srgbClr val="FFD4B9"/>
+                    </a:solidFill>
+                  </a:tcPr>
+                </a:tc>
+                <a:tc>
+                  <a:txBody>
+                    <a:bodyPr tIns="18288" bIns="18288" lIns="45720" rIns="45720"/>
+                    <a:lstStyle/>
+                    <a:p>
+                      <a:pPr>
+                        <a:defRPr sz="700">
+                          <a:latin typeface="Arial Narrow"/>
+                        </a:defRPr>
+                      </a:pPr>
+                      <a:r>
+                        <a:t>SDOPPZD</a:t>
+                      </a:r>
+                    </a:p>
+                  </a:txBody>
+                  <a:tcPr>
+                    <a:solidFill>
+                      <a:srgbClr val="FFD4B9"/>
+                    </a:solidFill>
+                  </a:tcPr>
+                </a:tc>
+                <a:tc>
+                  <a:txBody>
+                    <a:bodyPr tIns="18288" bIns="18288" lIns="45720" rIns="45720"/>
+                    <a:lstStyle/>
+                    <a:p>
+                      <a:pPr>
+                        <a:defRPr sz="700">
+                          <a:latin typeface="Arial Narrow"/>
+                        </a:defRPr>
+                      </a:pPr>
+                      <a:r>
+                        <a:t>-13.17837, 27.12261</a:t>
+                      </a:r>
+                    </a:p>
+                  </a:txBody>
+                  <a:tcPr>
+                    <a:solidFill>
+                      <a:srgbClr val="FFD4B9"/>
+                    </a:solidFill>
+                  </a:tcPr>
+                </a:tc>
+                <a:tc>
+                  <a:txBody>
+                    <a:bodyPr tIns="18288" bIns="18288" lIns="45720" rIns="45720"/>
+                    <a:lstStyle/>
+                    <a:p>
+                      <a:pPr>
+                        <a:defRPr sz="700">
+                          <a:latin typeface="Arial Narrow"/>
+                        </a:defRPr>
+                      </a:pPr>
+                      <a:r>
+                        <a:t>27.13874, -13.19136</a:t>
+                      </a:r>
+                    </a:p>
+                  </a:txBody>
+                  <a:tcPr>
+                    <a:solidFill>
+                      <a:srgbClr val="FFD4B9"/>
                     </a:solidFill>
                   </a:tcPr>
                 </a:tc>
@@ -5335,7 +6151,11 @@
                       </a:r>
                     </a:p>
                   </a:txBody>
-                  <a:tcPr/>
+                  <a:tcPr>
+                    <a:solidFill>
+                      <a:srgbClr val="FFFFFF"/>
+                    </a:solidFill>
+                  </a:tcPr>
                 </a:tc>
                 <a:tc>
                   <a:txBody>
@@ -5352,7 +6172,11 @@
                       </a:r>
                     </a:p>
                   </a:txBody>
-                  <a:tcPr/>
+                  <a:tcPr>
+                    <a:solidFill>
+                      <a:srgbClr val="FFFFFF"/>
+                    </a:solidFill>
+                  </a:tcPr>
                 </a:tc>
                 <a:tc>
                   <a:txBody>
@@ -5369,7 +6193,32 @@
                       </a:r>
                     </a:p>
                   </a:txBody>
-                  <a:tcPr/>
+                  <a:tcPr>
+                    <a:solidFill>
+                      <a:srgbClr val="FFFFFF"/>
+                    </a:solidFill>
+                  </a:tcPr>
+                </a:tc>
+                <a:tc>
+                  <a:txBody>
+                    <a:bodyPr tIns="18288" bIns="18288" lIns="45720" rIns="45720"/>
+                    <a:lstStyle/>
+                    <a:p>
+                      <a:pPr>
+                        <a:defRPr sz="700">
+                          <a:latin typeface="Arial Narrow"/>
+                        </a:defRPr>
+                      </a:pPr>
+                      <a:r>
+                        <a:t>dfezfegrgfz</a:t>
+                      </a:r>
+                    </a:p>
+                  </a:txBody>
+                  <a:tcPr>
+                    <a:solidFill>
+                      <a:srgbClr val="FFFFFF"/>
+                    </a:solidFill>
+                  </a:tcPr>
                 </a:tc>
                 <a:tc>
                   <a:txBody>
@@ -5386,7 +6235,11 @@
                       </a:r>
                     </a:p>
                   </a:txBody>
-                  <a:tcPr/>
+                  <a:tcPr>
+                    <a:solidFill>
+                      <a:srgbClr val="FFFFFF"/>
+                    </a:solidFill>
+                  </a:tcPr>
                 </a:tc>
                 <a:tc>
                   <a:txBody>
@@ -5403,41 +6256,74 @@
                       </a:r>
                     </a:p>
                   </a:txBody>
-                  <a:tcPr/>
-                </a:tc>
-                <a:tc>
-                  <a:txBody>
-                    <a:bodyPr tIns="18288" bIns="18288" lIns="45720" rIns="45720"/>
-                    <a:lstStyle/>
-                    <a:p>
-                      <a:pPr>
-                        <a:defRPr sz="700">
-                          <a:latin typeface="Arial Narrow"/>
-                        </a:defRPr>
-                      </a:pPr>
-                      <a:r>
-                        <a:t>-13.17236100000000043, 27.12766699999999886</a:t>
-                      </a:r>
-                    </a:p>
-                  </a:txBody>
-                  <a:tcPr/>
-                </a:tc>
-                <a:tc>
-                  <a:txBody>
-                    <a:bodyPr tIns="18288" bIns="18288" lIns="45720" rIns="45720"/>
-                    <a:lstStyle/>
-                    <a:p>
-                      <a:pPr>
-                        <a:defRPr sz="700">
-                          <a:latin typeface="Arial Narrow"/>
-                        </a:defRPr>
-                      </a:pPr>
-                      <a:r>
-                        <a:t>27.13873631, -13.19135810</a:t>
-                      </a:r>
-                    </a:p>
-                  </a:txBody>
-                  <a:tcPr/>
+                  <a:tcPr>
+                    <a:solidFill>
+                      <a:srgbClr val="FFFFFF"/>
+                    </a:solidFill>
+                  </a:tcPr>
+                </a:tc>
+                <a:tc>
+                  <a:txBody>
+                    <a:bodyPr tIns="18288" bIns="18288" lIns="45720" rIns="45720"/>
+                    <a:lstStyle/>
+                    <a:p>
+                      <a:pPr>
+                        <a:defRPr sz="700">
+                          <a:latin typeface="Arial Narrow"/>
+                        </a:defRPr>
+                      </a:pPr>
+                      <a:r>
+                        <a:t>SDOPPZD</a:t>
+                      </a:r>
+                    </a:p>
+                  </a:txBody>
+                  <a:tcPr>
+                    <a:solidFill>
+                      <a:srgbClr val="FFFFFF"/>
+                    </a:solidFill>
+                  </a:tcPr>
+                </a:tc>
+                <a:tc>
+                  <a:txBody>
+                    <a:bodyPr tIns="18288" bIns="18288" lIns="45720" rIns="45720"/>
+                    <a:lstStyle/>
+                    <a:p>
+                      <a:pPr>
+                        <a:defRPr sz="700">
+                          <a:latin typeface="Arial Narrow"/>
+                        </a:defRPr>
+                      </a:pPr>
+                      <a:r>
+                        <a:t>-13.17236, 27.12767</a:t>
+                      </a:r>
+                    </a:p>
+                  </a:txBody>
+                  <a:tcPr>
+                    <a:solidFill>
+                      <a:srgbClr val="FFFFFF"/>
+                    </a:solidFill>
+                  </a:tcPr>
+                </a:tc>
+                <a:tc>
+                  <a:txBody>
+                    <a:bodyPr tIns="18288" bIns="18288" lIns="45720" rIns="45720"/>
+                    <a:lstStyle/>
+                    <a:p>
+                      <a:pPr>
+                        <a:defRPr sz="700">
+                          <a:latin typeface="Arial Narrow"/>
+                        </a:defRPr>
+                      </a:pPr>
+                      <a:r>
+                        <a:t>27.13874, -13.19136</a:t>
+                      </a:r>
+                    </a:p>
+                  </a:txBody>
+                  <a:tcPr>
+                    <a:solidFill>
+                      <a:srgbClr val="FFFFFF"/>
+                    </a:solidFill>
+                  </a:tcPr>
                 </a:tc>
               </a:tr>
               <a:tr h="18000">
@@ -5458,7 +6344,7 @@
                   </a:txBody>
                   <a:tcPr>
                     <a:solidFill>
-                      <a:srgbClr val="F2F2F2"/>
+                      <a:srgbClr val="FFD4B9"/>
                     </a:solidFill>
                   </a:tcPr>
                 </a:tc>
@@ -5479,7 +6365,7 @@
                   </a:txBody>
                   <a:tcPr>
                     <a:solidFill>
-                      <a:srgbClr val="F2F2F2"/>
+                      <a:srgbClr val="FFD4B9"/>
                     </a:solidFill>
                   </a:tcPr>
                 </a:tc>
@@ -5500,7 +6386,28 @@
                   </a:txBody>
                   <a:tcPr>
                     <a:solidFill>
-                      <a:srgbClr val="F2F2F2"/>
+                      <a:srgbClr val="FFD4B9"/>
+                    </a:solidFill>
+                  </a:tcPr>
+                </a:tc>
+                <a:tc>
+                  <a:txBody>
+                    <a:bodyPr tIns="18288" bIns="18288" lIns="45720" rIns="45720"/>
+                    <a:lstStyle/>
+                    <a:p>
+                      <a:pPr>
+                        <a:defRPr sz="700">
+                          <a:latin typeface="Arial Narrow"/>
+                        </a:defRPr>
+                      </a:pPr>
+                      <a:r>
+                        <a:t>rrefe</a:t>
+                      </a:r>
+                    </a:p>
+                  </a:txBody>
+                  <a:tcPr>
+                    <a:solidFill>
+                      <a:srgbClr val="FFD4B9"/>
                     </a:solidFill>
                   </a:tcPr>
                 </a:tc>
@@ -5521,7 +6428,7 @@
                   </a:txBody>
                   <a:tcPr>
                     <a:solidFill>
-                      <a:srgbClr val="F2F2F2"/>
+                      <a:srgbClr val="FFD4B9"/>
                     </a:solidFill>
                   </a:tcPr>
                 </a:tc>
@@ -5542,49 +6449,70 @@
                   </a:txBody>
                   <a:tcPr>
                     <a:solidFill>
-                      <a:srgbClr val="F2F2F2"/>
-                    </a:solidFill>
-                  </a:tcPr>
-                </a:tc>
-                <a:tc>
-                  <a:txBody>
-                    <a:bodyPr tIns="18288" bIns="18288" lIns="45720" rIns="45720"/>
-                    <a:lstStyle/>
-                    <a:p>
-                      <a:pPr>
-                        <a:defRPr sz="700">
-                          <a:latin typeface="Arial Narrow"/>
-                        </a:defRPr>
-                      </a:pPr>
-                      <a:r>
-                        <a:t>-13.18502800000000086, 27.13613900000000001</a:t>
-                      </a:r>
-                    </a:p>
-                  </a:txBody>
-                  <a:tcPr>
-                    <a:solidFill>
-                      <a:srgbClr val="F2F2F2"/>
-                    </a:solidFill>
-                  </a:tcPr>
-                </a:tc>
-                <a:tc>
-                  <a:txBody>
-                    <a:bodyPr tIns="18288" bIns="18288" lIns="45720" rIns="45720"/>
-                    <a:lstStyle/>
-                    <a:p>
-                      <a:pPr>
-                        <a:defRPr sz="700">
-                          <a:latin typeface="Arial Narrow"/>
-                        </a:defRPr>
-                      </a:pPr>
-                      <a:r>
-                        <a:t>27.13873631, -13.19135810</a:t>
-                      </a:r>
-                    </a:p>
-                  </a:txBody>
-                  <a:tcPr>
-                    <a:solidFill>
-                      <a:srgbClr val="F2F2F2"/>
+                      <a:srgbClr val="FFD4B9"/>
+                    </a:solidFill>
+                  </a:tcPr>
+                </a:tc>
+                <a:tc>
+                  <a:txBody>
+                    <a:bodyPr tIns="18288" bIns="18288" lIns="45720" rIns="45720"/>
+                    <a:lstStyle/>
+                    <a:p>
+                      <a:pPr>
+                        <a:defRPr sz="700">
+                          <a:latin typeface="Arial Narrow"/>
+                        </a:defRPr>
+                      </a:pPr>
+                      <a:r>
+                        <a:t>SDOPPZD</a:t>
+                      </a:r>
+                    </a:p>
+                  </a:txBody>
+                  <a:tcPr>
+                    <a:solidFill>
+                      <a:srgbClr val="FFD4B9"/>
+                    </a:solidFill>
+                  </a:tcPr>
+                </a:tc>
+                <a:tc>
+                  <a:txBody>
+                    <a:bodyPr tIns="18288" bIns="18288" lIns="45720" rIns="45720"/>
+                    <a:lstStyle/>
+                    <a:p>
+                      <a:pPr>
+                        <a:defRPr sz="700">
+                          <a:latin typeface="Arial Narrow"/>
+                        </a:defRPr>
+                      </a:pPr>
+                      <a:r>
+                        <a:t>-13.18503, 27.13614</a:t>
+                      </a:r>
+                    </a:p>
+                  </a:txBody>
+                  <a:tcPr>
+                    <a:solidFill>
+                      <a:srgbClr val="FFD4B9"/>
+                    </a:solidFill>
+                  </a:tcPr>
+                </a:tc>
+                <a:tc>
+                  <a:txBody>
+                    <a:bodyPr tIns="18288" bIns="18288" lIns="45720" rIns="45720"/>
+                    <a:lstStyle/>
+                    <a:p>
+                      <a:pPr>
+                        <a:defRPr sz="700">
+                          <a:latin typeface="Arial Narrow"/>
+                        </a:defRPr>
+                      </a:pPr>
+                      <a:r>
+                        <a:t>27.13874, -13.19136</a:t>
+                      </a:r>
+                    </a:p>
+                  </a:txBody>
+                  <a:tcPr>
+                    <a:solidFill>
+                      <a:srgbClr val="FFD4B9"/>
                     </a:solidFill>
                   </a:tcPr>
                 </a:tc>
@@ -5605,7 +6533,11 @@
                       </a:r>
                     </a:p>
                   </a:txBody>
-                  <a:tcPr/>
+                  <a:tcPr>
+                    <a:solidFill>
+                      <a:srgbClr val="FFFFFF"/>
+                    </a:solidFill>
+                  </a:tcPr>
                 </a:tc>
                 <a:tc>
                   <a:txBody>
@@ -5622,7 +6554,11 @@
                       </a:r>
                     </a:p>
                   </a:txBody>
-                  <a:tcPr/>
+                  <a:tcPr>
+                    <a:solidFill>
+                      <a:srgbClr val="FFFFFF"/>
+                    </a:solidFill>
+                  </a:tcPr>
                 </a:tc>
                 <a:tc>
                   <a:txBody>
@@ -5639,7 +6575,32 @@
                       </a:r>
                     </a:p>
                   </a:txBody>
-                  <a:tcPr/>
+                  <a:tcPr>
+                    <a:solidFill>
+                      <a:srgbClr val="FFFFFF"/>
+                    </a:solidFill>
+                  </a:tcPr>
+                </a:tc>
+                <a:tc>
+                  <a:txBody>
+                    <a:bodyPr tIns="18288" bIns="18288" lIns="45720" rIns="45720"/>
+                    <a:lstStyle/>
+                    <a:p>
+                      <a:pPr>
+                        <a:defRPr sz="700">
+                          <a:latin typeface="Arial Narrow"/>
+                        </a:defRPr>
+                      </a:pPr>
+                      <a:r>
+                        <a:t>REHYTJYU</a:t>
+                      </a:r>
+                    </a:p>
+                  </a:txBody>
+                  <a:tcPr>
+                    <a:solidFill>
+                      <a:srgbClr val="FFFFFF"/>
+                    </a:solidFill>
+                  </a:tcPr>
                 </a:tc>
                 <a:tc>
                   <a:txBody>
@@ -5656,7 +6617,11 @@
                       </a:r>
                     </a:p>
                   </a:txBody>
-                  <a:tcPr/>
+                  <a:tcPr>
+                    <a:solidFill>
+                      <a:srgbClr val="FFFFFF"/>
+                    </a:solidFill>
+                  </a:tcPr>
                 </a:tc>
                 <a:tc>
                   <a:txBody>
@@ -5673,41 +6638,74 @@
                       </a:r>
                     </a:p>
                   </a:txBody>
-                  <a:tcPr/>
-                </a:tc>
-                <a:tc>
-                  <a:txBody>
-                    <a:bodyPr tIns="18288" bIns="18288" lIns="45720" rIns="45720"/>
-                    <a:lstStyle/>
-                    <a:p>
-                      <a:pPr>
-                        <a:defRPr sz="700">
-                          <a:latin typeface="Arial Narrow"/>
-                        </a:defRPr>
-                      </a:pPr>
-                      <a:r>
-                        <a:t>-13.18730000000000047, 27.14870000000000161</a:t>
-                      </a:r>
-                    </a:p>
-                  </a:txBody>
-                  <a:tcPr/>
-                </a:tc>
-                <a:tc>
-                  <a:txBody>
-                    <a:bodyPr tIns="18288" bIns="18288" lIns="45720" rIns="45720"/>
-                    <a:lstStyle/>
-                    <a:p>
-                      <a:pPr>
-                        <a:defRPr sz="700">
-                          <a:latin typeface="Arial Narrow"/>
-                        </a:defRPr>
-                      </a:pPr>
-                      <a:r>
-                        <a:t>27.15264578, -13.19149323</a:t>
-                      </a:r>
-                    </a:p>
-                  </a:txBody>
-                  <a:tcPr/>
+                  <a:tcPr>
+                    <a:solidFill>
+                      <a:srgbClr val="FFFFFF"/>
+                    </a:solidFill>
+                  </a:tcPr>
+                </a:tc>
+                <a:tc>
+                  <a:txBody>
+                    <a:bodyPr tIns="18288" bIns="18288" lIns="45720" rIns="45720"/>
+                    <a:lstStyle/>
+                    <a:p>
+                      <a:pPr>
+                        <a:defRPr sz="700">
+                          <a:latin typeface="Arial Narrow"/>
+                        </a:defRPr>
+                      </a:pPr>
+                      <a:r>
+                        <a:t>?EYJ</a:t>
+                      </a:r>
+                    </a:p>
+                  </a:txBody>
+                  <a:tcPr>
+                    <a:solidFill>
+                      <a:srgbClr val="FFFFFF"/>
+                    </a:solidFill>
+                  </a:tcPr>
+                </a:tc>
+                <a:tc>
+                  <a:txBody>
+                    <a:bodyPr tIns="18288" bIns="18288" lIns="45720" rIns="45720"/>
+                    <a:lstStyle/>
+                    <a:p>
+                      <a:pPr>
+                        <a:defRPr sz="700">
+                          <a:latin typeface="Arial Narrow"/>
+                        </a:defRPr>
+                      </a:pPr>
+                      <a:r>
+                        <a:t>-13.18730, 27.14870</a:t>
+                      </a:r>
+                    </a:p>
+                  </a:txBody>
+                  <a:tcPr>
+                    <a:solidFill>
+                      <a:srgbClr val="FFFFFF"/>
+                    </a:solidFill>
+                  </a:tcPr>
+                </a:tc>
+                <a:tc>
+                  <a:txBody>
+                    <a:bodyPr tIns="18288" bIns="18288" lIns="45720" rIns="45720"/>
+                    <a:lstStyle/>
+                    <a:p>
+                      <a:pPr>
+                        <a:defRPr sz="700">
+                          <a:latin typeface="Arial Narrow"/>
+                        </a:defRPr>
+                      </a:pPr>
+                      <a:r>
+                        <a:t>27.15265, -13.19149</a:t>
+                      </a:r>
+                    </a:p>
+                  </a:txBody>
+                  <a:tcPr>
+                    <a:solidFill>
+                      <a:srgbClr val="FFFFFF"/>
+                    </a:solidFill>
+                  </a:tcPr>
                 </a:tc>
               </a:tr>
               <a:tr h="18000">
@@ -5728,7 +6726,7 @@
                   </a:txBody>
                   <a:tcPr>
                     <a:solidFill>
-                      <a:srgbClr val="F2F2F2"/>
+                      <a:srgbClr val="FFD4B9"/>
                     </a:solidFill>
                   </a:tcPr>
                 </a:tc>
@@ -5749,7 +6747,7 @@
                   </a:txBody>
                   <a:tcPr>
                     <a:solidFill>
-                      <a:srgbClr val="F2F2F2"/>
+                      <a:srgbClr val="FFD4B9"/>
                     </a:solidFill>
                   </a:tcPr>
                 </a:tc>
@@ -5770,7 +6768,25 @@
                   </a:txBody>
                   <a:tcPr>
                     <a:solidFill>
-                      <a:srgbClr val="F2F2F2"/>
+                      <a:srgbClr val="FFD4B9"/>
+                    </a:solidFill>
+                  </a:tcPr>
+                </a:tc>
+                <a:tc>
+                  <a:txBody>
+                    <a:bodyPr tIns="18288" bIns="18288" lIns="45720" rIns="45720"/>
+                    <a:lstStyle/>
+                    <a:p>
+                      <a:pPr>
+                        <a:defRPr sz="700">
+                          <a:latin typeface="Arial Narrow"/>
+                        </a:defRPr>
+                      </a:pPr>
+                    </a:p>
+                  </a:txBody>
+                  <a:tcPr>
+                    <a:solidFill>
+                      <a:srgbClr val="FFD4B9"/>
                     </a:solidFill>
                   </a:tcPr>
                 </a:tc>
@@ -5791,7 +6807,7 @@
                   </a:txBody>
                   <a:tcPr>
                     <a:solidFill>
-                      <a:srgbClr val="F2F2F2"/>
+                      <a:srgbClr val="FFD4B9"/>
                     </a:solidFill>
                   </a:tcPr>
                 </a:tc>
@@ -5812,49 +6828,67 @@
                   </a:txBody>
                   <a:tcPr>
                     <a:solidFill>
-                      <a:srgbClr val="F2F2F2"/>
-                    </a:solidFill>
-                  </a:tcPr>
-                </a:tc>
-                <a:tc>
-                  <a:txBody>
-                    <a:bodyPr tIns="18288" bIns="18288" lIns="45720" rIns="45720"/>
-                    <a:lstStyle/>
-                    <a:p>
-                      <a:pPr>
-                        <a:defRPr sz="700">
-                          <a:latin typeface="Arial Narrow"/>
-                        </a:defRPr>
-                      </a:pPr>
-                      <a:r>
-                        <a:t>-13.2132000000000005, 27.16029999999999944</a:t>
-                      </a:r>
-                    </a:p>
-                  </a:txBody>
-                  <a:tcPr>
-                    <a:solidFill>
-                      <a:srgbClr val="F2F2F2"/>
-                    </a:solidFill>
-                  </a:tcPr>
-                </a:tc>
-                <a:tc>
-                  <a:txBody>
-                    <a:bodyPr tIns="18288" bIns="18288" lIns="45720" rIns="45720"/>
-                    <a:lstStyle/>
-                    <a:p>
-                      <a:pPr>
-                        <a:defRPr sz="700">
-                          <a:latin typeface="Arial Narrow"/>
-                        </a:defRPr>
-                      </a:pPr>
-                      <a:r>
-                        <a:t>27.15791670, -13.21483330</a:t>
-                      </a:r>
-                    </a:p>
-                  </a:txBody>
-                  <a:tcPr>
-                    <a:solidFill>
-                      <a:srgbClr val="F2F2F2"/>
+                      <a:srgbClr val="FFD4B9"/>
+                    </a:solidFill>
+                  </a:tcPr>
+                </a:tc>
+                <a:tc>
+                  <a:txBody>
+                    <a:bodyPr tIns="18288" bIns="18288" lIns="45720" rIns="45720"/>
+                    <a:lstStyle/>
+                    <a:p>
+                      <a:pPr>
+                        <a:defRPr sz="700">
+                          <a:latin typeface="Arial Narrow"/>
+                        </a:defRPr>
+                      </a:pPr>
+                    </a:p>
+                  </a:txBody>
+                  <a:tcPr>
+                    <a:solidFill>
+                      <a:srgbClr val="FFD4B9"/>
+                    </a:solidFill>
+                  </a:tcPr>
+                </a:tc>
+                <a:tc>
+                  <a:txBody>
+                    <a:bodyPr tIns="18288" bIns="18288" lIns="45720" rIns="45720"/>
+                    <a:lstStyle/>
+                    <a:p>
+                      <a:pPr>
+                        <a:defRPr sz="700">
+                          <a:latin typeface="Arial Narrow"/>
+                        </a:defRPr>
+                      </a:pPr>
+                      <a:r>
+                        <a:t>-13.21320, 27.16030</a:t>
+                      </a:r>
+                    </a:p>
+                  </a:txBody>
+                  <a:tcPr>
+                    <a:solidFill>
+                      <a:srgbClr val="FFD4B9"/>
+                    </a:solidFill>
+                  </a:tcPr>
+                </a:tc>
+                <a:tc>
+                  <a:txBody>
+                    <a:bodyPr tIns="18288" bIns="18288" lIns="45720" rIns="45720"/>
+                    <a:lstStyle/>
+                    <a:p>
+                      <a:pPr>
+                        <a:defRPr sz="700">
+                          <a:latin typeface="Arial Narrow"/>
+                        </a:defRPr>
+                      </a:pPr>
+                      <a:r>
+                        <a:t>27.15792, -13.21483</a:t>
+                      </a:r>
+                    </a:p>
+                  </a:txBody>
+                  <a:tcPr>
+                    <a:solidFill>
+                      <a:srgbClr val="FFD4B9"/>
                     </a:solidFill>
                   </a:tcPr>
                 </a:tc>
@@ -5875,7 +6909,11 @@
                       </a:r>
                     </a:p>
                   </a:txBody>
-                  <a:tcPr/>
+                  <a:tcPr>
+                    <a:solidFill>
+                      <a:srgbClr val="FFFFFF"/>
+                    </a:solidFill>
+                  </a:tcPr>
                 </a:tc>
                 <a:tc>
                   <a:txBody>
@@ -5892,7 +6930,11 @@
                       </a:r>
                     </a:p>
                   </a:txBody>
-                  <a:tcPr/>
+                  <a:tcPr>
+                    <a:solidFill>
+                      <a:srgbClr val="FFFFFF"/>
+                    </a:solidFill>
+                  </a:tcPr>
                 </a:tc>
                 <a:tc>
                   <a:txBody>
@@ -5909,7 +6951,32 @@
                       </a:r>
                     </a:p>
                   </a:txBody>
-                  <a:tcPr/>
+                  <a:tcPr>
+                    <a:solidFill>
+                      <a:srgbClr val="FFFFFF"/>
+                    </a:solidFill>
+                  </a:tcPr>
+                </a:tc>
+                <a:tc>
+                  <a:txBody>
+                    <a:bodyPr tIns="18288" bIns="18288" lIns="45720" rIns="45720"/>
+                    <a:lstStyle/>
+                    <a:p>
+                      <a:pPr>
+                        <a:defRPr sz="700">
+                          <a:latin typeface="Arial Narrow"/>
+                        </a:defRPr>
+                      </a:pPr>
+                      <a:r>
+                        <a:t>JYJFrsG</a:t>
+                      </a:r>
+                    </a:p>
+                  </a:txBody>
+                  <a:tcPr>
+                    <a:solidFill>
+                      <a:srgbClr val="FFFFFF"/>
+                    </a:solidFill>
+                  </a:tcPr>
                 </a:tc>
                 <a:tc>
                   <a:txBody>
@@ -5926,7 +6993,11 @@
                       </a:r>
                     </a:p>
                   </a:txBody>
-                  <a:tcPr/>
+                  <a:tcPr>
+                    <a:solidFill>
+                      <a:srgbClr val="FFFFFF"/>
+                    </a:solidFill>
+                  </a:tcPr>
                 </a:tc>
                 <a:tc>
                   <a:txBody>
@@ -5943,41 +7014,74 @@
                       </a:r>
                     </a:p>
                   </a:txBody>
-                  <a:tcPr/>
-                </a:tc>
-                <a:tc>
-                  <a:txBody>
-                    <a:bodyPr tIns="18288" bIns="18288" lIns="45720" rIns="45720"/>
-                    <a:lstStyle/>
-                    <a:p>
-                      <a:pPr>
-                        <a:defRPr sz="700">
-                          <a:latin typeface="Arial Narrow"/>
-                        </a:defRPr>
-                      </a:pPr>
-                      <a:r>
-                        <a:t>-13.16999999999999993, 27.14508299999999963</a:t>
-                      </a:r>
-                    </a:p>
-                  </a:txBody>
-                  <a:tcPr/>
-                </a:tc>
-                <a:tc>
-                  <a:txBody>
-                    <a:bodyPr tIns="18288" bIns="18288" lIns="45720" rIns="45720"/>
-                    <a:lstStyle/>
-                    <a:p>
-                      <a:pPr>
-                        <a:defRPr sz="700">
-                          <a:latin typeface="Arial Narrow"/>
-                        </a:defRPr>
-                      </a:pPr>
-                      <a:r>
-                        <a:t>27.13610000, -13.17920000</a:t>
-                      </a:r>
-                    </a:p>
-                  </a:txBody>
-                  <a:tcPr/>
+                  <a:tcPr>
+                    <a:solidFill>
+                      <a:srgbClr val="FFFFFF"/>
+                    </a:solidFill>
+                  </a:tcPr>
+                </a:tc>
+                <a:tc>
+                  <a:txBody>
+                    <a:bodyPr tIns="18288" bIns="18288" lIns="45720" rIns="45720"/>
+                    <a:lstStyle/>
+                    <a:p>
+                      <a:pPr>
+                        <a:defRPr sz="700">
+                          <a:latin typeface="Arial Narrow"/>
+                        </a:defRPr>
+                      </a:pPr>
+                      <a:r>
+                        <a:t>U.OIL</a:t>
+                      </a:r>
+                    </a:p>
+                  </a:txBody>
+                  <a:tcPr>
+                    <a:solidFill>
+                      <a:srgbClr val="FFFFFF"/>
+                    </a:solidFill>
+                  </a:tcPr>
+                </a:tc>
+                <a:tc>
+                  <a:txBody>
+                    <a:bodyPr tIns="18288" bIns="18288" lIns="45720" rIns="45720"/>
+                    <a:lstStyle/>
+                    <a:p>
+                      <a:pPr>
+                        <a:defRPr sz="700">
+                          <a:latin typeface="Arial Narrow"/>
+                        </a:defRPr>
+                      </a:pPr>
+                      <a:r>
+                        <a:t>-13.17000, 27.14508</a:t>
+                      </a:r>
+                    </a:p>
+                  </a:txBody>
+                  <a:tcPr>
+                    <a:solidFill>
+                      <a:srgbClr val="FFFFFF"/>
+                    </a:solidFill>
+                  </a:tcPr>
+                </a:tc>
+                <a:tc>
+                  <a:txBody>
+                    <a:bodyPr tIns="18288" bIns="18288" lIns="45720" rIns="45720"/>
+                    <a:lstStyle/>
+                    <a:p>
+                      <a:pPr>
+                        <a:defRPr sz="700">
+                          <a:latin typeface="Arial Narrow"/>
+                        </a:defRPr>
+                      </a:pPr>
+                      <a:r>
+                        <a:t>27.13610, -13.17920</a:t>
+                      </a:r>
+                    </a:p>
+                  </a:txBody>
+                  <a:tcPr>
+                    <a:solidFill>
+                      <a:srgbClr val="FFFFFF"/>
+                    </a:solidFill>
+                  </a:tcPr>
                 </a:tc>
               </a:tr>
             </a:tbl>

--- a/media/generated_ppts/DR IAM_Agadir VERNE + NOMATIS (partiel).pptx
+++ b/media/generated_ppts/DR IAM_Agadir VERNE + NOMATIS (partiel).pptx
@@ -3232,9 +3232,45 @@
           </a:prstGeom>
         </p:spPr>
       </p:pic>
+      <p:sp>
+        <p:nvSpPr>
+          <p:cNvPr id="3" name="TextBox 2"/>
+          <p:cNvSpPr txBox="1"/>
+          <p:nvPr/>
+        </p:nvSpPr>
+        <p:spPr>
+          <a:xfrm>
+            <a:off x="1692000" y="2512800"/>
+            <a:ext cx="8640000" cy="432000"/>
+          </a:xfrm>
+          <a:prstGeom prst="rect">
+            <a:avLst/>
+          </a:prstGeom>
+          <a:noFill/>
+        </p:spPr>
+        <p:txBody>
+          <a:bodyPr wrap="none">
+            <a:spAutoFit/>
+          </a:bodyPr>
+          <a:lstStyle/>
+          <a:p>
+            <a:pPr>
+              <a:defRPr sz="900" b="0">
+                <a:solidFill>
+                  <a:srgbClr val="000000"/>
+                </a:solidFill>
+                <a:latin typeface="Arial Narrow"/>
+              </a:defRPr>
+            </a:pPr>
+            <a:r>
+              <a:t>01/12/1111         04/05/3233                                           "azertyuiopmlkjhgfdswxcvbnazertyuiopmlkjhgfdsq"</a:t>
+            </a:r>
+          </a:p>
+        </p:txBody>
+      </p:sp>
       <p:graphicFrame>
         <p:nvGraphicFramePr>
-          <p:cNvPr id="3" name="Table 2"/>
+          <p:cNvPr id="4" name="Table 3"/>
           <p:cNvGraphicFramePr>
             <a:graphicFrameLocks noGrp="1"/>
           </p:cNvGraphicFramePr>

--- a/media/generated_ppts/DR IAM_Agadir VERNE + NOMATIS (partiel).pptx
+++ b/media/generated_ppts/DR IAM_Agadir VERNE + NOMATIS (partiel).pptx
@@ -3232,45 +3232,9 @@
           </a:prstGeom>
         </p:spPr>
       </p:pic>
-      <p:sp>
-        <p:nvSpPr>
-          <p:cNvPr id="3" name="TextBox 2"/>
-          <p:cNvSpPr txBox="1"/>
-          <p:nvPr/>
-        </p:nvSpPr>
-        <p:spPr>
-          <a:xfrm>
-            <a:off x="1692000" y="2512800"/>
-            <a:ext cx="8640000" cy="432000"/>
-          </a:xfrm>
-          <a:prstGeom prst="rect">
-            <a:avLst/>
-          </a:prstGeom>
-          <a:noFill/>
-        </p:spPr>
-        <p:txBody>
-          <a:bodyPr wrap="none">
-            <a:spAutoFit/>
-          </a:bodyPr>
-          <a:lstStyle/>
-          <a:p>
-            <a:pPr>
-              <a:defRPr sz="900" b="0">
-                <a:solidFill>
-                  <a:srgbClr val="000000"/>
-                </a:solidFill>
-                <a:latin typeface="Arial Narrow"/>
-              </a:defRPr>
-            </a:pPr>
-            <a:r>
-              <a:t>01/12/1111         04/05/3233                                           "azertyuiopmlkjhgfdswxcvbnazertyuiopmlkjhgfdsq"</a:t>
-            </a:r>
-          </a:p>
-        </p:txBody>
-      </p:sp>
       <p:graphicFrame>
         <p:nvGraphicFramePr>
-          <p:cNvPr id="4" name="Table 3"/>
+          <p:cNvPr id="3" name="Table 2"/>
           <p:cNvGraphicFramePr>
             <a:graphicFrameLocks noGrp="1"/>
           </p:cNvGraphicFramePr>
